--- a/docs/slides_webinaire_litteratie_securite_IA.pptx
+++ b/docs/slides_webinaire_litteratie_securite_IA.pptx
@@ -4,26 +4,27 @@
   <p:sldMasterIdLst>
     <p:sldMasterId id="2147483648" r:id="rId1"/>
   </p:sldMasterIdLst>
+  <p:notesMasterIdLst>
+    <p:notesMasterId r:id="rId18"/>
+  </p:notesMasterIdLst>
   <p:sldIdLst>
-    <p:sldId id="256" r:id="rId2"/>
-    <p:sldId id="257" r:id="rId3"/>
-    <p:sldId id="258" r:id="rId4"/>
-    <p:sldId id="259" r:id="rId5"/>
-    <p:sldId id="260" r:id="rId6"/>
-    <p:sldId id="261" r:id="rId7"/>
-    <p:sldId id="262" r:id="rId8"/>
-    <p:sldId id="263" r:id="rId9"/>
-    <p:sldId id="264" r:id="rId10"/>
-    <p:sldId id="265" r:id="rId11"/>
-    <p:sldId id="266" r:id="rId12"/>
-    <p:sldId id="267" r:id="rId13"/>
-    <p:sldId id="268" r:id="rId14"/>
-    <p:sldId id="269" r:id="rId15"/>
-    <p:sldId id="270" r:id="rId16"/>
+    <p:sldId id="271" r:id="rId2"/>
+    <p:sldId id="256" r:id="rId3"/>
+    <p:sldId id="257" r:id="rId4"/>
+    <p:sldId id="258" r:id="rId5"/>
+    <p:sldId id="259" r:id="rId6"/>
+    <p:sldId id="260" r:id="rId7"/>
+    <p:sldId id="261" r:id="rId8"/>
+    <p:sldId id="262" r:id="rId9"/>
+    <p:sldId id="263" r:id="rId10"/>
+    <p:sldId id="264" r:id="rId11"/>
+    <p:sldId id="265" r:id="rId12"/>
+    <p:sldId id="266" r:id="rId13"/>
+    <p:sldId id="267" r:id="rId14"/>
+    <p:sldId id="268" r:id="rId15"/>
+    <p:sldId id="269" r:id="rId16"/>
+    <p:sldId id="270" r:id="rId17"/>
   </p:sldIdLst>
-  <p:notesMasterIdLst>
-    <p:notesMasterId r:id="rId17"/>
-  </p:notesMasterIdLst>
   <p:sldSz cx="12192000" cy="6858000"/>
   <p:notesSz cx="6858000" cy="12192000"/>
   <p:defaultTextStyle>
@@ -118,6 +119,11 @@
       </a:defRPr>
     </a:lvl9pPr>
   </p:defaultTextStyle>
+  <p:extLst>
+    <p:ext uri="{EFAFB233-063F-42B5-8137-9DF3F51BA10A}">
+      <p15:sldGuideLst xmlns:p15="http://schemas.microsoft.com/office/powerpoint/2012/main"/>
+    </p:ext>
+  </p:extLst>
 </p:presentation>
 </file>
 
@@ -143,234 +149,10 @@
           <a:chExt cx="0" cy="0"/>
         </a:xfrm>
       </p:grpSpPr>
-      <p:sp>
-        <p:nvSpPr>
-          <p:cNvPr id="2" name="Header Placeholder 1"/>
-          <p:cNvSpPr>
-            <a:spLocks noGrp="1"/>
-          </p:cNvSpPr>
-          <p:nvPr>
-            <p:ph type="hdr" sz="quarter"/>
-          </p:nvPr>
-        </p:nvSpPr>
-        <p:spPr>
-          <a:xfrm>
-            <a:off x="0" y="0"/>
-            <a:ext cx="2971800" cy="458788"/>
-          </a:xfrm>
-          <a:prstGeom prst="rect">
-            <a:avLst/>
-          </a:prstGeom>
-        </p:spPr>
-        <p:txBody>
-          <a:bodyPr vert="horz" lIns="91440" tIns="45720" rIns="91440" bIns="45720" rtlCol="0"/>
-          <a:lstStyle>
-            <a:lvl1pPr algn="l">
-              <a:defRPr sz="1200"/>
-            </a:lvl1pPr>
-          </a:lstStyle>
-          <a:p>
-            <a:endParaRPr lang="en-US"/>
-          </a:p>
-        </p:txBody>
-      </p:sp>
-      <p:sp>
-        <p:nvSpPr>
-          <p:cNvPr id="3" name="Date Placeholder 2"/>
-          <p:cNvSpPr>
-            <a:spLocks noGrp="1"/>
-          </p:cNvSpPr>
-          <p:nvPr>
-            <p:ph type="dt" idx="1"/>
-          </p:nvPr>
-        </p:nvSpPr>
-        <p:spPr>
-          <a:xfrm>
-            <a:off x="3884613" y="0"/>
-            <a:ext cx="2971800" cy="458788"/>
-          </a:xfrm>
-          <a:prstGeom prst="rect">
-            <a:avLst/>
-          </a:prstGeom>
-        </p:spPr>
-        <p:txBody>
-          <a:bodyPr vert="horz" lIns="91440" tIns="45720" rIns="91440" bIns="45720" rtlCol="0"/>
-          <a:lstStyle>
-            <a:lvl1pPr algn="r">
-              <a:defRPr sz="1200"/>
-            </a:lvl1pPr>
-          </a:lstStyle>
-          <a:p>
-            <a:fld id="{5282F153-3F37-0F45-9E97-73ACFA13230C}" type="datetimeFigureOut">
-              <a:rPr lang="en-US"/>
-              <a:t>7/23/19</a:t>
-            </a:fld>
-            <a:endParaRPr lang="en-US"/>
-          </a:p>
-        </p:txBody>
-      </p:sp>
-      <p:sp>
-        <p:nvSpPr>
-          <p:cNvPr id="4" name="Slide Image Placeholder 3"/>
-          <p:cNvSpPr>
-            <a:spLocks noGrp="1" noRot="1" noChangeAspect="1"/>
-          </p:cNvSpPr>
-          <p:nvPr>
-            <p:ph type="sldImg" idx="2"/>
-          </p:nvPr>
-        </p:nvSpPr>
-        <p:spPr>
-          <a:xfrm>
-            <a:off x="685800" y="1143000"/>
-            <a:ext cx="5486400" cy="3086100"/>
-          </a:xfrm>
-          <a:prstGeom prst="rect">
-            <a:avLst/>
-          </a:prstGeom>
-          <a:noFill/>
-          <a:ln w="12700">
-            <a:solidFill>
-              <a:prstClr val="black"/>
-            </a:solidFill>
-          </a:ln>
-        </p:spPr>
-        <p:txBody>
-          <a:bodyPr vert="horz" lIns="91440" tIns="45720" rIns="91440" bIns="45720" rtlCol="0" anchor="ctr"/>
-          <a:lstStyle/>
-          <a:p>
-            <a:endParaRPr lang="en-US"/>
-          </a:p>
-        </p:txBody>
-      </p:sp>
-      <p:sp>
-        <p:nvSpPr>
-          <p:cNvPr id="5" name="Notes Placeholder 4"/>
-          <p:cNvSpPr>
-            <a:spLocks noGrp="1"/>
-          </p:cNvSpPr>
-          <p:nvPr>
-            <p:ph type="body" sz="quarter" idx="3"/>
-          </p:nvPr>
-        </p:nvSpPr>
-        <p:spPr>
-          <a:xfrm>
-            <a:off x="685800" y="4400550"/>
-            <a:ext cx="5486400" cy="3600450"/>
-          </a:xfrm>
-          <a:prstGeom prst="rect">
-            <a:avLst/>
-          </a:prstGeom>
-        </p:spPr>
-        <p:txBody>
-          <a:bodyPr vert="horz" lIns="91440" tIns="45720" rIns="91440" bIns="45720" rtlCol="0"/>
-          <a:lstStyle/>
-          <a:p>
-            <a:pPr lvl="0"/>
-            <a:r>
-              <a:rPr lang="en-US"/>
-              <a:t>Click to edit Master text styles</a:t>
-            </a:r>
-          </a:p>
-          <a:p>
-            <a:pPr lvl="1"/>
-            <a:r>
-              <a:rPr lang="en-US"/>
-              <a:t>Second level</a:t>
-            </a:r>
-          </a:p>
-          <a:p>
-            <a:pPr lvl="2"/>
-            <a:r>
-              <a:rPr lang="en-US"/>
-              <a:t>Third level</a:t>
-            </a:r>
-          </a:p>
-          <a:p>
-            <a:pPr lvl="3"/>
-            <a:r>
-              <a:rPr lang="en-US"/>
-              <a:t>Fourth level</a:t>
-            </a:r>
-          </a:p>
-          <a:p>
-            <a:pPr lvl="4"/>
-            <a:r>
-              <a:rPr lang="en-US"/>
-              <a:t>Fifth level</a:t>
-            </a:r>
-          </a:p>
-        </p:txBody>
-      </p:sp>
-      <p:sp>
-        <p:nvSpPr>
-          <p:cNvPr id="6" name="Footer Placeholder 5"/>
-          <p:cNvSpPr>
-            <a:spLocks noGrp="1"/>
-          </p:cNvSpPr>
-          <p:nvPr>
-            <p:ph type="ftr" sz="quarter" idx="4"/>
-          </p:nvPr>
-        </p:nvSpPr>
-        <p:spPr>
-          <a:xfrm>
-            <a:off x="0" y="8685213"/>
-            <a:ext cx="2971800" cy="458787"/>
-          </a:xfrm>
-          <a:prstGeom prst="rect">
-            <a:avLst/>
-          </a:prstGeom>
-        </p:spPr>
-        <p:txBody>
-          <a:bodyPr vert="horz" lIns="91440" tIns="45720" rIns="91440" bIns="45720" rtlCol="0" anchor="b"/>
-          <a:lstStyle>
-            <a:lvl1pPr algn="l">
-              <a:defRPr sz="1200"/>
-            </a:lvl1pPr>
-          </a:lstStyle>
-          <a:p>
-            <a:endParaRPr lang="en-US"/>
-          </a:p>
-        </p:txBody>
-      </p:sp>
-      <p:sp>
-        <p:nvSpPr>
-          <p:cNvPr id="7" name="Slide Number Placeholder 6"/>
-          <p:cNvSpPr>
-            <a:spLocks noGrp="1"/>
-          </p:cNvSpPr>
-          <p:nvPr>
-            <p:ph type="sldNum" sz="quarter" idx="5"/>
-          </p:nvPr>
-        </p:nvSpPr>
-        <p:spPr>
-          <a:xfrm>
-            <a:off x="3884613" y="8685213"/>
-            <a:ext cx="2971800" cy="458787"/>
-          </a:xfrm>
-          <a:prstGeom prst="rect">
-            <a:avLst/>
-          </a:prstGeom>
-        </p:spPr>
-        <p:txBody>
-          <a:bodyPr vert="horz" lIns="91440" tIns="45720" rIns="91440" bIns="45720" rtlCol="0" anchor="b"/>
-          <a:lstStyle>
-            <a:lvl1pPr algn="r">
-              <a:defRPr sz="1200"/>
-            </a:lvl1pPr>
-          </a:lstStyle>
-          <a:p>
-            <a:fld id="{CE5E9CC1-C706-0F49-92D6-E571CC5EEA8F}" type="slidenum">
-              <a:rPr lang="en-US"/>
-              <a:t>‹#›</a:t>
-            </a:fld>
-            <a:endParaRPr lang="en-US"/>
-          </a:p>
-        </p:txBody>
-      </p:sp>
     </p:spTree>
     <p:extLst>
       <p:ext uri="{BB962C8B-B14F-4D97-AF65-F5344CB8AC3E}">
-        <p14:creationId xmlns:p14="http://schemas.microsoft.com/office/powerpoint/2010/main" val="1024086991"/>
+        <p14:creationId xmlns:p14="http://schemas.microsoft.com/office/powerpoint/2010/main" val="4072448806"/>
       </p:ext>
     </p:extLst>
   </p:cSld>
@@ -497,7 +279,21 @@
             <p:ph type="sldImg"/>
           </p:nvPr>
         </p:nvSpPr>
-        <p:spPr/>
+        <p:spPr>
+          <a:xfrm>
+            <a:off x="-228600" y="1524000"/>
+            <a:ext cx="7315200" cy="4114800"/>
+          </a:xfrm>
+          <a:prstGeom prst="rect">
+            <a:avLst/>
+          </a:prstGeom>
+          <a:noFill/>
+          <a:ln w="12700">
+            <a:solidFill>
+              <a:prstClr val="black"/>
+            </a:solidFill>
+          </a:ln>
+        </p:spPr>
       </p:sp>
       <p:sp>
         <p:nvSpPr>
@@ -509,44 +305,19 @@
             <p:ph type="body" idx="1"/>
           </p:nvPr>
         </p:nvSpPr>
-        <p:spPr/>
+        <p:spPr>
+          <a:xfrm>
+            <a:off x="685800" y="5867400"/>
+            <a:ext cx="5486400" cy="4800600"/>
+          </a:xfrm>
+          <a:prstGeom prst="rect">
+            <a:avLst/>
+          </a:prstGeom>
+        </p:spPr>
         <p:txBody>
           <a:bodyPr/>
           <a:lstStyle/>
           <a:p>
-            <a:r>
-              <a:rPr lang="en-US" dirty="0"/>
-              <a:t>Bonjour et bienvenue à ce webinaire éducatif public : « Littératie en sécurité de l’IA ».
-Je suis Vincent Boucher, et je coanime cette séance avec Stéphanie Tessier, au nom de la Fondation Intelligence / Intelligence Foundation, organisme de bienfaisance enregistré au Canada (NE/BN : 855938502 RR0001).
-Merci d’être ici. Cette séance est gratuite et offerte au public. Elle est strictement non commerciale : aucune publicité, aucune vente, aucune sollicitation commerciale, et aucun avantage privé.
-Notre objectif est de vous donner des outils concrets pour comprendre les limites des systèmes d’IA, réduire les risques, et utiliser l’IA de manière prudente et responsable, dans l’intérêt public.
-Nous suivrons une structure pédagogique claire : objectifs, contenu, exercices, auto‑évaluations, puis corrigés.
-Rappel : ce contenu est fourni à des fins éducatives; il ne constitue pas un avis juridique, médical, financier ou professionnel. Merci aussi de ne pas partager d’informations personnelles dans le chat.
-Commençons par la mission de la Fondation et le cadre non commercial du programme.</a:t>
-            </a:r>
-            <a:endParaRPr lang="en-US" dirty="0"/>
-          </a:p>
-        </p:txBody>
-      </p:sp>
-      <p:sp>
-        <p:nvSpPr>
-          <p:cNvPr id="4" name="Slide Number Placeholder 3"/>
-          <p:cNvSpPr>
-            <a:spLocks noGrp="1"/>
-          </p:cNvSpPr>
-          <p:nvPr>
-            <p:ph type="sldNum" sz="quarter" idx="10"/>
-          </p:nvPr>
-        </p:nvSpPr>
-        <p:spPr/>
-        <p:txBody>
-          <a:bodyPr/>
-          <a:lstStyle/>
-          <a:p>
-            <a:fld id="{F7021451-1387-4CA6-816F-3879F97B5CBC}" type="slidenum">
-              <a:rPr lang="en-US"/>
-              <a:t>1</a:t>
-            </a:fld>
             <a:endParaRPr lang="en-US"/>
           </a:p>
         </p:txBody>
@@ -554,7 +325,7 @@
     </p:spTree>
     <p:extLst>
       <p:ext uri="{BB962C8B-B14F-4D97-AF65-F5344CB8AC3E}">
-        <p14:creationId xmlns:p14="http://schemas.microsoft.com/office/powerpoint/2010/main" val="1024086991"/>
+        <p14:creationId xmlns:p14="http://schemas.microsoft.com/office/powerpoint/2010/main" val="1163978278"/>
       </p:ext>
     </p:extLst>
   </p:cSld>
@@ -610,14 +381,13 @@
           <a:p>
             <a:r>
               <a:rPr lang="en-US" dirty="0"/>
-              <a:t>Module 4.
-Le red teaming, ici, consiste à tester les garde‑fous : refus, prudence, respect de la vie privée — sans demander de détails opérationnels nuisibles.
-On utilise des formulations génériques, et on reste dans un cadre sûr et légitime.
-On définit une charte : objectif, portée, règles, limites, et procédure d’escalade.
-En cas d’incident : on stoppe, on capture la sortie, on classe, on mitige, et on enregistre la trace.
-Passons au Module 5 : gouvernance et registres, direction et contrôle.</a:t>
-            </a:r>
-            <a:endParaRPr lang="en-US" dirty="0"/>
+              <a:t>Module 3.
+Une explication peut être utile, mais elle n’est pas une preuve. La bonne pratique est de demander comment vérifier de manière externe : sources, tests, contre‑exemples.
+On attend aussi que le système indique ses limites et ses incertitudes, au lieu d’un ton certain.
+Un gabarit simple est : ce que je sais, ce que je ne sais pas, ce qui est incertain, et comment vérifier.
+L’objectif est de réduire la sur‑confiance et les erreurs.
+Passons au Module 4 : red teaming en cadre sûr et sécurité opérationnelle.</a:t>
+            </a:r>
           </a:p>
         </p:txBody>
       </p:sp>
@@ -703,14 +473,13 @@
           <a:p>
             <a:r>
               <a:rPr lang="en-US" dirty="0"/>
-              <a:t>Module 5.
-La gouvernance est un garde‑fou central : l’organisme doit superviser ses activités, et conserver des registres proportionnés.
-Les registres minimaux incluent : procès‑verbaux et résolutions, historique de versions, journal public des activités, et dépenses liées au programme.
-Les conflits d’intérêts doivent être déclarés; la personne concernée se retire si nécessaire; et la trace est conservée.
-Les décisions du CA sont prises avec quorum et vote, consignées au procès‑verbal; un extrait certifié conforme peut être signé par le président de séance et le secrétaire de séance.
-Nous ajoutons maintenant un module optionnel : ASI / IA avancée, traité de façon neutre et méthodologique.</a:t>
-            </a:r>
-            <a:endParaRPr lang="en-US" dirty="0"/>
+              <a:t>Module 4.
+Le red teaming, ici, consiste à tester les garde‑fous : refus, prudence, respect de la vie privée — sans demander de détails opérationnels nuisibles.
+On utilise des formulations génériques, et on reste dans un cadre sûr et légitime.
+On définit une charte : objectif, portée, règles, limites, et procédure d’escalade.
+En cas d’incident : on stoppe, on capture la sortie, on classe, on mitige, et on enregistre la trace.
+Passons au Module 5 : gouvernance et registres, direction et contrôle.</a:t>
+            </a:r>
           </a:p>
         </p:txBody>
       </p:sp>
@@ -796,14 +565,13 @@
           <a:p>
             <a:r>
               <a:rPr lang="en-US" dirty="0"/>
-              <a:t>Module 6 — introduction.
-Ce module optionnel traite de l’IA avancée, parfois appelée ASI. Il est éducatif, neutre et méthodologique : il ne vise pas à prédire l’avenir ni à promouvoir une idéologie.
-La distinction centrale est capacité versus déploiement. Une capacité en laboratoire n’implique pas automatiquement un impact réel; l’impact dépend des outils, permissions, politiques d’accès, supervision et gouvernance.
-Sur l’ASI, plusieurs éléments sont incertains : calendrier, vitesse, diffusion, degré d’autonomie, et qualité de la gouvernance.
-Donc, on raisonne par scénarios, et on propose des garde‑fous prudents et proportionnés.
-Sur la diapositive suivante, nous voyons la grille d’analyse et les scénarios.</a:t>
-            </a:r>
-            <a:endParaRPr lang="en-US" dirty="0"/>
+              <a:t>Module 5.
+La gouvernance est un garde‑fou central : l’organisme doit superviser ses activités, et conserver des registres proportionnés.
+Les registres minimaux incluent : procès‑verbaux et résolutions, historique de versions, journal public des activités, et dépenses liées au programme.
+Les conflits d’intérêts doivent être déclarés; la personne concernée se retire si nécessaire; et la trace est conservée.
+Les décisions du CA sont prises avec quorum et vote, consignées au procès‑verbal; un extrait certifié conforme peut être signé par le président de séance et le secrétaire de séance.
+Nous ajoutons maintenant un module optionnel : ASI / IA avancée, traité de façon neutre et méthodologique.</a:t>
+            </a:r>
           </a:p>
         </p:txBody>
       </p:sp>
@@ -889,13 +657,13 @@
           <a:p>
             <a:r>
               <a:rPr lang="en-US" dirty="0"/>
-              <a:t>Module 6 — méthode.
-Pour raisonner sans prédire, on utilise des scénarios : par exemple une matrice diffusion concentrée ou distribuée, et gouvernance forte ou faible. Les risques et garde‑fous diffèrent selon les scénarios.
-Ensuite, on applique une grille simple à toute affirmation : d’abord le claim formulé précisément, puis les preuves, les hypothèses implicites, les incertitudes, les risques plausibles, et enfin des garde‑fous prudents et proportionnés.
-Le module complet propose aussi un exercice : rédiger une note de prudence pour un atelier public, avec critères et garde‑fous.
-Passons maintenant aux ressources gratuites et à la transparence.</a:t>
-            </a:r>
-            <a:endParaRPr lang="en-US" dirty="0"/>
+              <a:t>Module 6 — introduction.
+Ce module optionnel traite de l’IA avancée, parfois appelée ASI. Il est éducatif, neutre et méthodologique : il ne vise pas à prédire l’avenir ni à promouvoir une idéologie.
+La distinction centrale est capacité versus déploiement. Une capacité en laboratoire n’implique pas automatiquement un impact réel; l’impact dépend des outils, permissions, politiques d’accès, supervision et gouvernance.
+Sur l’ASI, plusieurs éléments sont incertains : calendrier, vitesse, diffusion, degré d’autonomie, et qualité de la gouvernance.
+Donc, on raisonne par scénarios, et on propose des garde‑fous prudents et proportionnés.
+Sur la diapositive suivante, nous voyons la grille d’analyse et les scénarios.</a:t>
+            </a:r>
           </a:p>
         </p:txBody>
       </p:sp>
@@ -981,13 +749,12 @@
           <a:p>
             <a:r>
               <a:rPr lang="en-US" dirty="0"/>
-              <a:t>Ressources gratuites.
-Le programme complet, modules 0 à 6, est disponible gratuitement sur le site : exercices, quiz, corrigés, journal public et historique de versions.
-Les documents de gouvernance — directive et résolution — sont publiés, afin de démontrer la direction et le contrôle exercés par l’organisme sur ce programme éducatif.
-Les séances publiques incluent dates, liens et supports.
-Conclusion : quiz final et prochaines étapes.</a:t>
-            </a:r>
-            <a:endParaRPr lang="en-US" dirty="0"/>
+              <a:t>Module 6 — méthode.
+Pour raisonner sans prédire, on utilise des scénarios : par exemple une matrice diffusion concentrée ou distribuée, et gouvernance forte ou faible. Les risques et garde‑fous diffèrent selon les scénarios.
+Ensuite, on applique une grille simple à toute affirmation : d’abord le claim formulé précisément, puis les preuves, les hypothèses implicites, les incertitudes, les risques plausibles, et enfin des garde‑fous prudents et proportionnés.
+Le module complet propose aussi un exercice : rédiger une note de prudence pour un atelier public, avec critères et garde‑fous.
+Passons maintenant aux ressources gratuites et à la transparence.</a:t>
+            </a:r>
           </a:p>
         </p:txBody>
       </p:sp>
@@ -1073,13 +840,12 @@
           <a:p>
             <a:r>
               <a:rPr lang="en-US" dirty="0"/>
-              <a:t>Conclusion.
-Nous terminons par un quiz final, pour vérifier la compréhension, puis un corrigé.
-Ensuite, un plan simple : dans les 48 heures, relire les modules 0 et 1; dans 7 jours, refaire un exercice et comparer au corrigé; dans 30 jours, suivre une séance publique ou compléter un module avancé, par exemple l’ASI optionnelle.
-Rappel de sécurité : pas d’informations personnelles dans le chat, et pas de demandes nuisibles.
-Merci d’avoir participé. Toutes les ressources gratuites sont sur le site de la Fondation.</a:t>
-            </a:r>
-            <a:endParaRPr lang="en-US" dirty="0"/>
+              <a:t>Ressources gratuites.
+Le programme complet, modules 0 à 6, est disponible gratuitement sur le site : exercices, quiz, corrigés, journal public et historique de versions.
+Les documents de gouvernance — directive et résolution — sont publiés, afin de démontrer la direction et le contrôle exercés par l’organisme sur ce programme éducatif.
+Les séances publiques incluent dates, liens et supports.
+Conclusion : quiz final et prochaines étapes.</a:t>
+            </a:r>
           </a:p>
         </p:txBody>
       </p:sp>
@@ -1101,6 +867,97 @@
             <a:fld id="{F7021451-1387-4CA6-816F-3879F97B5CBC}" type="slidenum">
               <a:rPr lang="en-US"/>
               <a:t>15</a:t>
+            </a:fld>
+            <a:endParaRPr lang="en-US"/>
+          </a:p>
+        </p:txBody>
+      </p:sp>
+    </p:spTree>
+    <p:extLst>
+      <p:ext uri="{BB962C8B-B14F-4D97-AF65-F5344CB8AC3E}">
+        <p14:creationId xmlns:p14="http://schemas.microsoft.com/office/powerpoint/2010/main" val="1024086991"/>
+      </p:ext>
+    </p:extLst>
+  </p:cSld>
+  <p:clrMapOvr>
+    <a:masterClrMapping/>
+  </p:clrMapOvr>
+</p:notes>
+</file>
+
+<file path=ppt/notesSlides/notesSlide16.xml><?xml version="1.0" encoding="utf-8"?>
+<p:notes xmlns:a="http://schemas.openxmlformats.org/drawingml/2006/main" xmlns:r="http://schemas.openxmlformats.org/officeDocument/2006/relationships" xmlns:p="http://schemas.openxmlformats.org/presentationml/2006/main">
+  <p:cSld>
+    <p:spTree>
+      <p:nvGrpSpPr>
+        <p:cNvPr id="1" name=""/>
+        <p:cNvGrpSpPr/>
+        <p:nvPr/>
+      </p:nvGrpSpPr>
+      <p:grpSpPr>
+        <a:xfrm>
+          <a:off x="0" y="0"/>
+          <a:ext cx="0" cy="0"/>
+          <a:chOff x="0" y="0"/>
+          <a:chExt cx="0" cy="0"/>
+        </a:xfrm>
+      </p:grpSpPr>
+      <p:sp>
+        <p:nvSpPr>
+          <p:cNvPr id="2" name="Slide Image Placeholder 1"/>
+          <p:cNvSpPr>
+            <a:spLocks noGrp="1" noRot="1" noChangeAspect="1"/>
+          </p:cNvSpPr>
+          <p:nvPr>
+            <p:ph type="sldImg"/>
+          </p:nvPr>
+        </p:nvSpPr>
+        <p:spPr/>
+      </p:sp>
+      <p:sp>
+        <p:nvSpPr>
+          <p:cNvPr id="3" name="Notes Placeholder 2"/>
+          <p:cNvSpPr>
+            <a:spLocks noGrp="1"/>
+          </p:cNvSpPr>
+          <p:nvPr>
+            <p:ph type="body" idx="1"/>
+          </p:nvPr>
+        </p:nvSpPr>
+        <p:spPr/>
+        <p:txBody>
+          <a:bodyPr/>
+          <a:lstStyle/>
+          <a:p>
+            <a:r>
+              <a:rPr lang="en-US" dirty="0"/>
+              <a:t>Conclusion.
+Nous terminons par un quiz final, pour vérifier la compréhension, puis un corrigé.
+Ensuite, un plan simple : dans les 48 heures, relire les modules 0 et 1; dans 7 jours, refaire un exercice et comparer au corrigé; dans 30 jours, suivre une séance publique ou compléter un module avancé, par exemple l’ASI optionnelle.
+Rappel de sécurité : pas d’informations personnelles dans le chat, et pas de demandes nuisibles.
+Merci d’avoir participé. Toutes les ressources gratuites sont sur le site de la Fondation.</a:t>
+            </a:r>
+          </a:p>
+        </p:txBody>
+      </p:sp>
+      <p:sp>
+        <p:nvSpPr>
+          <p:cNvPr id="4" name="Slide Number Placeholder 3"/>
+          <p:cNvSpPr>
+            <a:spLocks noGrp="1"/>
+          </p:cNvSpPr>
+          <p:nvPr>
+            <p:ph type="sldNum" sz="quarter" idx="10"/>
+          </p:nvPr>
+        </p:nvSpPr>
+        <p:spPr/>
+        <p:txBody>
+          <a:bodyPr/>
+          <a:lstStyle/>
+          <a:p>
+            <a:fld id="{F7021451-1387-4CA6-816F-3879F97B5CBC}" type="slidenum">
+              <a:rPr lang="en-US"/>
+              <a:t>16</a:t>
             </a:fld>
             <a:endParaRPr lang="en-US"/>
           </a:p>
@@ -1165,13 +1022,38 @@
           <a:p>
             <a:r>
               <a:rPr lang="en-US" dirty="0"/>
-              <a:t>Mission et cadre.
-La Fondation Intelligence a pour objet de sensibiliser, inspirer, former et supporter le public, dans l’intérêt général, sans intention de gain pécuniaire pour ses membres.
-Ce webinaire et le programme en ligne sont gratuits et accessibles au public. Ils sont strictement non commerciaux : aucune publicité, aucune vente, aucune sollicitation commerciale, et aucun avantage privé.
-Enfin, point important de sécurité : nous ne fournissons pas d’instructions nuisibles ou illégales. Lorsque nous parlons de demandes à risque, c’est pour apprendre à les identifier, à les refuser correctement, et à proposer des alternatives légitimes.
-Passons aux objectifs d’apprentissage.</a:t>
-            </a:r>
-            <a:endParaRPr lang="en-US" dirty="0"/>
+              <a:t>Bonjour et bienvenue à ce webinaire éducatif public : « Littératie en sécurité de l’IA ».
+Je suis Vincent Boucher, et je coanime cette séance avec Stéphanie Tessier, au nom de la Fondation Intelligence / Intelligence Foundation, organisme de bienfaisance enregistré au Canada (NE/BN : 855938502 RR0001).
+Merci d’être ici. Cette séance est gratuite et offerte au public. Elle est strictement non commerciale : </a:t>
+            </a:r>
+            <a:r>
+              <a:rPr lang="en-US" dirty="0" err="1"/>
+              <a:t>aucune</a:t>
+            </a:r>
+            <a:r>
+              <a:rPr lang="en-US" dirty="0"/>
+              <a:t> </a:t>
+            </a:r>
+            <a:r>
+              <a:rPr lang="en-US" dirty="0" err="1"/>
+              <a:t>monétisation</a:t>
+            </a:r>
+            <a:r>
+              <a:rPr lang="en-US" dirty="0"/>
+              <a:t> par la </a:t>
+            </a:r>
+            <a:r>
+              <a:rPr lang="en-US"/>
+              <a:t>Fondation, </a:t>
+            </a:r>
+            <a:r>
+              <a:rPr lang="en-US" dirty="0"/>
+              <a:t>aucune vente, aucune sollicitation commerciale, et aucun avantage privé.
+Notre objectif est de vous donner des outils concrets pour comprendre les limites des systèmes d’IA, réduire les risques, et utiliser l’IA de manière prudente et responsable, dans l’intérêt public.
+Nous suivrons une structure pédagogique claire : objectifs, contenu, exercices, auto‑évaluations, puis corrigés.
+Rappel : ce contenu est fourni à des fins éducatives; il ne constitue pas un avis juridique, médical, financier ou professionnel. Merci aussi de ne pas partager d’informations personnelles dans le chat.
+Commençons par la mission de la Fondation et le cadre non commercial du programme.</a:t>
+            </a:r>
           </a:p>
         </p:txBody>
       </p:sp>
@@ -1257,14 +1139,36 @@
           <a:p>
             <a:r>
               <a:rPr lang="en-US" dirty="0"/>
-              <a:t>Objectifs d’apprentissage.
-À l’issue de la séance, vous saurez définir des notions clés de sécurité de l’IA — comme l’hallucination, le biais, l’incertitude et la robustesse — et reconnaître des risques typiques.
-Vous saurez appliquer une méthode simple d’évaluation : objectif, scénarios, critères, décision.
-Vous saurez aussi choisir des garde‑fous pratiques : vérification, limites d’usage, supervision humaine et trace documentaire.
-Enfin, vous comprendrez l’intérêt et les limites de l’interprétabilité, du red teaming en cadre sûr, et le rôle central de la gouvernance et des registres.
-Voyons la structure pédagogique du programme.</a:t>
-            </a:r>
-            <a:endParaRPr lang="en-US" dirty="0"/>
+              <a:t>Mission et cadre.
+La Fondation Intelligence a pour objet de sensibiliser, inspirer, former et supporter le public, dans l’intérêt général, sans intention de gain pécuniaire pour ses membres.
+Ce webinaire et le programme en ligne sont gratuits et accessibles au public. Ils sont strictement non commerciaux : </a:t>
+            </a:r>
+            <a:r>
+              <a:rPr lang="en-US" dirty="0" err="1"/>
+              <a:t>aucune</a:t>
+            </a:r>
+            <a:r>
+              <a:rPr lang="en-US" dirty="0"/>
+              <a:t> </a:t>
+            </a:r>
+            <a:r>
+              <a:rPr lang="en-US" dirty="0" err="1"/>
+              <a:t>monétisation</a:t>
+            </a:r>
+            <a:r>
+              <a:rPr lang="en-US" dirty="0"/>
+              <a:t> par la </a:t>
+            </a:r>
+            <a:r>
+              <a:rPr lang="en-US" dirty="0" err="1"/>
+              <a:t>Fondation</a:t>
+            </a:r>
+            <a:r>
+              <a:rPr lang="en-US" dirty="0"/>
+              <a:t>, aucune vente, aucune sollicitation commerciale, et aucun avantage privé.
+Enfin, point important de sécurité : nous ne fournissons pas d’instructions nuisibles ou illégales. Lorsque nous parlons de demandes à risque, c’est pour apprendre à les identifier, à les refuser correctement, et à proposer des alternatives légitimes.
+Passons aux objectifs d’apprentissage.</a:t>
+            </a:r>
           </a:p>
         </p:txBody>
       </p:sp>
@@ -1350,13 +1254,13 @@
           <a:p>
             <a:r>
               <a:rPr lang="en-US" dirty="0"/>
-              <a:t>Structure du programme.
-Chaque module suit la même structure : objectifs, contenu progressif, exercice, quiz, puis corrigé. Cela permet une instruction reproductible, et pas seulement de l’information.
-Le programme est accompagné d’une traçabilité : un journal public et un historique de versions, afin de démontrer la continuité et l’évolution du contenu.
-Enfin, des séances publiques sont organisées, avec replay et supports publiés.
-Commençons avec le Module 0 : la méthode d’évaluation en 4 étapes.</a:t>
-            </a:r>
-            <a:endParaRPr lang="en-US" dirty="0"/>
+              <a:t>Objectifs d’apprentissage.
+À l’issue de la séance, vous saurez définir des notions clés de sécurité de l’IA — comme l’hallucination, le biais, l’incertitude et la robustesse — et reconnaître des risques typiques.
+Vous saurez appliquer une méthode simple d’évaluation : objectif, scénarios, critères, décision.
+Vous saurez aussi choisir des garde‑fous pratiques : vérification, limites d’usage, supervision humaine et trace documentaire.
+Enfin, vous comprendrez l’intérêt et les limites de l’interprétabilité, du red teaming en cadre sûr, et le rôle central de la gouvernance et des registres.
+Voyons la structure pédagogique du programme.</a:t>
+            </a:r>
           </a:p>
         </p:txBody>
       </p:sp>
@@ -1442,14 +1346,12 @@
           <a:p>
             <a:r>
               <a:rPr lang="en-US" dirty="0"/>
-              <a:t>Module 0.
-La méthode en quatre étapes est simple. D’abord, préciser l’objectif : ce que l’on veut obtenir, et ce que l’on ne veut pas.
-Ensuite, définir des scénarios : un cas normal, et au moins un cas difficile, pour tester la robustesse.
-Puis, choisir des critères explicites : exactitude, prudence, transparence, respect de la vie privée, et sécurité.
-Enfin, prendre une décision : acceptable, acceptable avec garde‑fous, ou non acceptable.
-Passons maintenant aux fondamentaux : limites et risques.</a:t>
-            </a:r>
-            <a:endParaRPr lang="en-US" dirty="0"/>
+              <a:t>Structure du programme.
+Chaque module suit la même structure : objectifs, contenu progressif, exercice, quiz, puis corrigé. Cela permet une instruction reproductible, et pas seulement de l’information.
+Le programme est accompagné d’une traçabilité : un journal public et un historique de versions, afin de démontrer la continuité et l’évolution du contenu.
+Enfin, des séances publiques sont organisées, avec replay et supports publiés.
+Commençons avec le Module 0 : la méthode d’évaluation en 4 étapes.</a:t>
+            </a:r>
           </a:p>
         </p:txBody>
       </p:sp>
@@ -1535,14 +1437,13 @@
           <a:p>
             <a:r>
               <a:rPr lang="en-US" dirty="0"/>
-              <a:t>Module 1.
-Premier point : les systèmes d’IA peuvent halluciner, être biaisés, et présenter une incertitude non signalée. Ils peuvent aussi être fragiles à de petites variations de contexte.
-Règle clé : une réponse convaincante n’est pas une preuve.
-Les risques typiques sont informationnels, de sécurité, de vie privée, et des dérives d’usage, notamment l’automatisation non supervisée.
-Les garde‑fous pratiques incluent la vérification, les limites d’usage, la supervision humaine, et une trace ou journalisation.
-Nous allons faire un exercice guidé : comment refuser une demande dangereuse et proposer des alternatives légitimes.</a:t>
-            </a:r>
-            <a:endParaRPr lang="en-US" dirty="0"/>
+              <a:t>Module 0.
+La méthode en quatre étapes est simple. D’abord, préciser l’objectif : ce que l’on veut obtenir, et ce que l’on ne veut pas.
+Ensuite, définir des scénarios : un cas normal, et au moins un cas difficile, pour tester la robustesse.
+Puis, choisir des critères explicites : exactitude, prudence, transparence, respect de la vie privée, et sécurité.
+Enfin, prendre une décision : acceptable, acceptable avec garde‑fous, ou non acceptable.
+Passons maintenant aux fondamentaux : limites et risques.</a:t>
+            </a:r>
           </a:p>
         </p:txBody>
       </p:sp>
@@ -1628,14 +1529,13 @@
           <a:p>
             <a:r>
               <a:rPr lang="en-US" dirty="0"/>
-              <a:t>Exercice guidé.
-Lorsqu’une demande est dangereuse ou illégale, la bonne pratique est un refus clair et sans ambiguïté.
-On explique brièvement, de façon neutre, que l’on ne peut pas aider pour ce type de demande, en rappelant la sécurité ou la légalité.
-On propose ensuite des alternatives légitimes : récupération de compte, signalement, pratiques de cybersécurité défensive, prévention.
-On garde un ton respectueux, et on évite toute collecte d’informations personnelles.
-Passons au Module 2 : évaluation et audit, avec la notion de trace.</a:t>
-            </a:r>
-            <a:endParaRPr lang="en-US" dirty="0"/>
+              <a:t>Module 1.
+Premier point : les systèmes d’IA peuvent halluciner, être biaisés, et présenter une incertitude non signalée. Ils peuvent aussi être fragiles à de petites variations de contexte.
+Règle clé : une réponse convaincante n’est pas une preuve.
+Les risques typiques sont informationnels, de sécurité, de vie privée, et des dérives d’usage, notamment l’automatisation non supervisée.
+Les garde‑fous pratiques incluent la vérification, les limites d’usage, la supervision humaine, et une trace ou journalisation.
+Nous allons faire un exercice guidé : comment refuser une demande dangereuse et proposer des alternatives légitimes.</a:t>
+            </a:r>
           </a:p>
         </p:txBody>
       </p:sp>
@@ -1721,14 +1621,13 @@
           <a:p>
             <a:r>
               <a:rPr lang="en-US" dirty="0"/>
-              <a:t>Module 2.
-Un audit simple consiste à documenter ce que l’on a testé : objectif, scénarios, critères, résultats, et décision.
-La trace minimale peut être très légère : une date, le scénario, la sortie observée, une note, la décision, et les garde‑fous associés.
-On peut classer : vert, orange, rouge, selon le risque.
-L’objectif est de réduire les surprises et de renforcer la prudence et la qualité.
-Passons au Module 3 : interprétabilité — explications versus preuves.</a:t>
-            </a:r>
-            <a:endParaRPr lang="en-US" dirty="0"/>
+              <a:t>Exercice guidé.
+Lorsqu’une demande est dangereuse ou illégale, la bonne pratique est un refus clair et sans ambiguïté.
+On explique brièvement, de façon neutre, que l’on ne peut pas aider pour ce type de demande, en rappelant la sécurité ou la légalité.
+On propose ensuite des alternatives légitimes : récupération de compte, signalement, pratiques de cybersécurité défensive, prévention.
+On garde un ton respectueux, et on évite toute collecte d’informations personnelles.
+Passons au Module 2 : évaluation et audit, avec la notion de trace.</a:t>
+            </a:r>
           </a:p>
         </p:txBody>
       </p:sp>
@@ -1814,14 +1713,13 @@
           <a:p>
             <a:r>
               <a:rPr lang="en-US" dirty="0"/>
-              <a:t>Module 3.
-Une explication peut être utile, mais elle n’est pas une preuve. La bonne pratique est de demander comment vérifier de manière externe : sources, tests, contre‑exemples.
-On attend aussi que le système indique ses limites et ses incertitudes, au lieu d’un ton certain.
-Un gabarit simple est : ce que je sais, ce que je ne sais pas, ce qui est incertain, et comment vérifier.
-L’objectif est de réduire la sur‑confiance et les erreurs.
-Passons au Module 4 : red teaming en cadre sûr et sécurité opérationnelle.</a:t>
-            </a:r>
-            <a:endParaRPr lang="en-US" dirty="0"/>
+              <a:t>Module 2.
+Un audit simple consiste à documenter ce que l’on a testé : objectif, scénarios, critères, résultats, et décision.
+La trace minimale peut être très légère : une date, le scénario, la sortie observée, une note, la décision, et les garde‑fous associés.
+On peut classer : vert, orange, rouge, selon le risque.
+L’objectif est de réduire les surprises et de renforcer la prudence et la qualité.
+Passons au Module 3 : interprétabilité — explications versus preuves.</a:t>
+            </a:r>
           </a:p>
         </p:txBody>
       </p:sp>
@@ -1894,6 +1792,11 @@
 <file path=ppt/slideMasters/slideMaster1.xml><?xml version="1.0" encoding="utf-8"?>
 <p:sldMaster xmlns:a="http://schemas.openxmlformats.org/drawingml/2006/main" xmlns:r="http://schemas.openxmlformats.org/officeDocument/2006/relationships" xmlns:p="http://schemas.openxmlformats.org/presentationml/2006/main">
   <p:cSld>
+    <p:bg>
+      <p:bgRef idx="1001">
+        <a:schemeClr val="bg1"/>
+      </p:bgRef>
+    </p:bg>
     <p:spTree>
       <p:nvGrpSpPr>
         <p:cNvPr id="1" name=""/>
@@ -2170,12 +2073,89 @@
 
 <file path=ppt/slides/slide1.xml><?xml version="1.0" encoding="utf-8"?>
 <p:sld xmlns:a="http://schemas.openxmlformats.org/drawingml/2006/main" xmlns:r="http://schemas.openxmlformats.org/officeDocument/2006/relationships" xmlns:p="http://schemas.openxmlformats.org/presentationml/2006/main">
-  <p:cSld name="Slide 1">
+  <p:cSld>
+    <p:spTree>
+      <p:nvGrpSpPr>
+        <p:cNvPr id="1" name=""/>
+        <p:cNvGrpSpPr/>
+        <p:nvPr/>
+      </p:nvGrpSpPr>
+      <p:grpSpPr>
+        <a:xfrm>
+          <a:off x="0" y="0"/>
+          <a:ext cx="0" cy="0"/>
+          <a:chOff x="0" y="0"/>
+          <a:chExt cx="0" cy="0"/>
+        </a:xfrm>
+      </p:grpSpPr>
+      <p:sp>
+        <p:nvSpPr>
+          <p:cNvPr id="2" name="TextBox 1"/>
+          <p:cNvSpPr txBox="1"/>
+          <p:nvPr/>
+        </p:nvSpPr>
+        <p:spPr>
+          <a:xfrm>
+            <a:off x="540000" y="720000"/>
+            <a:ext cx="11112000" cy="5418000"/>
+          </a:xfrm>
+          <a:prstGeom prst="rect">
+            <a:avLst/>
+          </a:prstGeom>
+          <a:noFill/>
+        </p:spPr>
+        <p:txBody>
+          <a:bodyPr wrap="square" anchor="ctr">
+            <a:spAutoFit/>
+          </a:bodyPr>
+          <a:lstStyle/>
+          <a:p>
+            <a:pPr algn="ctr"/>
+            <a:r>
+              <a:rPr sz="4400" b="1"/>
+              <a:t>FONDATION INTELLIGENCE</a:t>
+            </a:r>
+          </a:p>
+          <a:p>
+            <a:pPr algn="ctr"/>
+            <a:r>
+              <a:rPr sz="2800" b="1"/>
+              <a:t>Webinaire éducatif public gratuit — non commercial</a:t>
+            </a:r>
+          </a:p>
+          <a:p>
+            <a:pPr algn="ctr"/>
+            <a:r>
+              <a:rPr sz="2200"/>
+              <a:t>Produit et diffusé directement par la Fondation • Quiz : fondationintelligence.github.io</a:t>
+            </a:r>
+          </a:p>
+          <a:p>
+            <a:pPr algn="ctr"/>
+            <a:r>
+              <a:rPr sz="1600" i="1"/>
+              <a:t>NE : 85593 8502 RR0001</a:t>
+            </a:r>
+          </a:p>
+        </p:txBody>
+      </p:sp>
+    </p:spTree>
+  </p:cSld>
+  <p:clrMapOvr>
+    <a:masterClrMapping/>
+  </p:clrMapOvr>
+</p:sld>
+</file>
+
+<file path=ppt/slides/slide10.xml><?xml version="1.0" encoding="utf-8"?>
+<p:sld xmlns:a="http://schemas.openxmlformats.org/drawingml/2006/main" xmlns:r="http://schemas.openxmlformats.org/officeDocument/2006/relationships" xmlns:p="http://schemas.openxmlformats.org/presentationml/2006/main">
+  <p:cSld name="Slide 9">
     <p:bg>
       <p:bgPr>
         <a:solidFill>
           <a:srgbClr val="FFFFFF"/>
         </a:solidFill>
+        <a:effectLst/>
       </p:bgPr>
     </p:bg>
     <p:spTree>
@@ -2216,6 +2196,13 @@
             <a:prstDash val="solid"/>
           </a:ln>
         </p:spPr>
+        <p:txBody>
+          <a:bodyPr/>
+          <a:lstStyle/>
+          <a:p>
+            <a:endParaRPr lang="en-US"/>
+          </a:p>
+        </p:txBody>
       </p:sp>
       <p:sp>
         <p:nvSpPr>
@@ -2225,8 +2212,8 @@
         </p:nvSpPr>
         <p:spPr>
           <a:xfrm>
-            <a:off x="822960" y="1188720"/>
-            <a:ext cx="10789920" cy="1097280"/>
+            <a:off x="594360" y="594360"/>
+            <a:ext cx="11064240" cy="594360"/>
           </a:xfrm>
           <a:prstGeom prst="rect">
             <a:avLst/>
@@ -2238,11 +2225,11 @@
           <a:bodyPr wrap="square" rtlCol="0" anchor="ctr"/>
           <a:lstStyle/>
           <a:p>
-            <a:pPr indent="0" marL="0">
+            <a:pPr marL="0" indent="0">
               <a:buNone/>
             </a:pPr>
             <a:r>
-              <a:rPr lang="en-US" sz="4400" b="1" dirty="0">
+              <a:rPr lang="en-US" sz="3000" b="1" dirty="0">
                 <a:solidFill>
                   <a:srgbClr val="0F172A"/>
                 </a:solidFill>
@@ -2250,26 +2237,9 @@
                 <a:ea typeface="Calibri" pitchFamily="34" charset="-122"/>
                 <a:cs typeface="Calibri" pitchFamily="34" charset="-120"/>
               </a:rPr>
-              <a:t>Webinaire éducatif public</a:t>
-            </a:r>
-            <a:endParaRPr lang="en-US" sz="4400" dirty="0"/>
-          </a:p>
-          <a:p>
-            <a:pPr indent="0" marL="0">
-              <a:buNone/>
-            </a:pPr>
-            <a:r>
-              <a:rPr lang="en-US" sz="4400" b="1" dirty="0">
-                <a:solidFill>
-                  <a:srgbClr val="0F172A"/>
-                </a:solidFill>
-                <a:latin typeface="Calibri" pitchFamily="34" charset="0"/>
-                <a:ea typeface="Calibri" pitchFamily="34" charset="-122"/>
-                <a:cs typeface="Calibri" pitchFamily="34" charset="-120"/>
-              </a:rPr>
-              <a:t>Littératie en sécurité de l’IA</a:t>
-            </a:r>
-            <a:endParaRPr lang="en-US" sz="4400" dirty="0"/>
+              <a:t>Module 3 — Interprétabilité : explications vs preuves</a:t>
+            </a:r>
+            <a:endParaRPr lang="en-US" sz="3000" dirty="0"/>
           </a:p>
         </p:txBody>
       </p:sp>
@@ -2281,8 +2251,8 @@
         </p:nvSpPr>
         <p:spPr>
           <a:xfrm>
-            <a:off x="822960" y="2514600"/>
-            <a:ext cx="10789920" cy="2377440"/>
+            <a:off x="594360" y="1417320"/>
+            <a:ext cx="11018520" cy="4800600"/>
           </a:xfrm>
           <a:prstGeom prst="roundRect">
             <a:avLst/>
@@ -2297,13 +2267,20 @@
             <a:prstDash val="solid"/>
           </a:ln>
           <a:effectLst>
-            <a:outerShdw sx="100000" sy="100000" kx="0" ky="0" algn="bl" rotWithShape="0" blurRad="25400" dist="19050" dir="2700000">
+            <a:outerShdw blurRad="25400" dist="19050" dir="2700000" algn="bl" rotWithShape="0">
               <a:srgbClr val="000000">
                 <a:alpha val="10000"/>
               </a:srgbClr>
             </a:outerShdw>
           </a:effectLst>
         </p:spPr>
+        <p:txBody>
+          <a:bodyPr/>
+          <a:lstStyle/>
+          <a:p>
+            <a:endParaRPr lang="en-US"/>
+          </a:p>
+        </p:txBody>
       </p:sp>
       <p:sp>
         <p:nvSpPr>
@@ -2313,8 +2290,8 @@
         </p:nvSpPr>
         <p:spPr>
           <a:xfrm>
-            <a:off x="1143000" y="2788920"/>
-            <a:ext cx="10149840" cy="1828800"/>
+            <a:off x="960120" y="1737360"/>
+            <a:ext cx="10287000" cy="4389120"/>
           </a:xfrm>
           <a:prstGeom prst="rect">
             <a:avLst/>
@@ -2323,17 +2300,21 @@
           <a:ln/>
         </p:spPr>
         <p:txBody>
-          <a:bodyPr wrap="square" rtlCol="0" anchor="ctr"/>
-          <a:lstStyle/>
-          <a:p>
-            <a:pPr indent="0" marL="0">
+          <a:bodyPr wrap="square" rtlCol="0" anchor="t"/>
+          <a:lstStyle/>
+          <a:p>
+            <a:pPr marL="317500" indent="-317500">
               <a:lnSpc>
-                <a:spcPct val="112000"/>
+                <a:spcPct val="105000"/>
               </a:lnSpc>
-              <a:buNone/>
-            </a:pPr>
-            <a:r>
-              <a:rPr lang="en-US" sz="1800" dirty="0">
+              <a:spcAft>
+                <a:spcPts val="1000"/>
+              </a:spcAft>
+              <a:buSzPct val="100000"/>
+              <a:buChar char="•"/>
+            </a:pPr>
+            <a:r>
+              <a:rPr lang="en-US" sz="2200" dirty="0">
                 <a:solidFill>
                   <a:srgbClr val="334155"/>
                 </a:solidFill>
@@ -2341,19 +2322,23 @@
                 <a:ea typeface="Calibri" pitchFamily="34" charset="-122"/>
                 <a:cs typeface="Calibri" pitchFamily="34" charset="-120"/>
               </a:rPr>
-              <a:t>Fondation Intelligence / Intelligence Foundation</a:t>
-            </a:r>
-            <a:endParaRPr lang="en-US" sz="1800" dirty="0"/>
-          </a:p>
-          <a:p>
-            <a:pPr indent="0" marL="0">
+              <a:t>Explication ≠ preuve : demander vérification externe</a:t>
+            </a:r>
+            <a:endParaRPr lang="en-US" sz="2200" dirty="0"/>
+          </a:p>
+          <a:p>
+            <a:pPr marL="317500" indent="-317500">
               <a:lnSpc>
-                <a:spcPct val="112000"/>
+                <a:spcPct val="105000"/>
               </a:lnSpc>
-              <a:buNone/>
-            </a:pPr>
-            <a:r>
-              <a:rPr lang="en-US" sz="1800" dirty="0">
+              <a:spcAft>
+                <a:spcPts val="1000"/>
+              </a:spcAft>
+              <a:buSzPct val="100000"/>
+              <a:buChar char="•"/>
+            </a:pPr>
+            <a:r>
+              <a:rPr lang="en-US" sz="2200" dirty="0">
                 <a:solidFill>
                   <a:srgbClr val="334155"/>
                 </a:solidFill>
@@ -2361,19 +2346,23 @@
                 <a:ea typeface="Calibri" pitchFamily="34" charset="-122"/>
                 <a:cs typeface="Calibri" pitchFamily="34" charset="-120"/>
               </a:rPr>
-              <a:t>Organisme de bienfaisance enregistré (NE/BN : 855938502 RR0001)</a:t>
-            </a:r>
-            <a:endParaRPr lang="en-US" sz="1800" dirty="0"/>
-          </a:p>
-          <a:p>
-            <a:pPr indent="0" marL="0">
+              <a:t>Indiquer incertitudes et limites</a:t>
+            </a:r>
+            <a:endParaRPr lang="en-US" sz="2200" dirty="0"/>
+          </a:p>
+          <a:p>
+            <a:pPr marL="317500" indent="-317500">
               <a:lnSpc>
-                <a:spcPct val="112000"/>
+                <a:spcPct val="105000"/>
               </a:lnSpc>
-              <a:buNone/>
-            </a:pPr>
-            <a:r>
-              <a:rPr lang="en-US" sz="1800" dirty="0">
+              <a:spcAft>
+                <a:spcPts val="1000"/>
+              </a:spcAft>
+              <a:buSzPct val="100000"/>
+              <a:buChar char="•"/>
+            </a:pPr>
+            <a:r>
+              <a:rPr lang="en-US" sz="2200" dirty="0">
                 <a:solidFill>
                   <a:srgbClr val="334155"/>
                 </a:solidFill>
@@ -2381,19 +2370,23 @@
                 <a:ea typeface="Calibri" pitchFamily="34" charset="-122"/>
                 <a:cs typeface="Calibri" pitchFamily="34" charset="-120"/>
               </a:rPr>
-              <a:t>Gratuit • Non commercial • Intérêt public</a:t>
-            </a:r>
-            <a:endParaRPr lang="en-US" sz="1800" dirty="0"/>
-          </a:p>
-          <a:p>
-            <a:pPr indent="0" marL="0">
+              <a:t>Gabarit : ce que je sais / ne sais pas / comment vérifier</a:t>
+            </a:r>
+            <a:endParaRPr lang="en-US" sz="2200" dirty="0"/>
+          </a:p>
+          <a:p>
+            <a:pPr marL="317500" indent="-317500">
               <a:lnSpc>
-                <a:spcPct val="112000"/>
+                <a:spcPct val="105000"/>
               </a:lnSpc>
-              <a:buNone/>
-            </a:pPr>
-            <a:r>
-              <a:rPr lang="en-US" sz="1800" dirty="0">
+              <a:spcAft>
+                <a:spcPts val="1000"/>
+              </a:spcAft>
+              <a:buSzPct val="100000"/>
+              <a:buChar char="•"/>
+            </a:pPr>
+            <a:r>
+              <a:rPr lang="en-US" sz="2200" dirty="0">
                 <a:solidFill>
                   <a:srgbClr val="334155"/>
                 </a:solidFill>
@@ -2401,9 +2394,9 @@
                 <a:ea typeface="Calibri" pitchFamily="34" charset="-122"/>
                 <a:cs typeface="Calibri" pitchFamily="34" charset="-120"/>
               </a:rPr>
-              <a:t>Ressources : https://fondationintelligence.github.io/</a:t>
-            </a:r>
-            <a:endParaRPr lang="en-US" sz="1800" dirty="0"/>
+              <a:t>Objectif : réduire sur‑confiance et erreurs</a:t>
+            </a:r>
+            <a:endParaRPr lang="en-US" sz="2200" dirty="0"/>
           </a:p>
         </p:txBody>
       </p:sp>
@@ -2415,8 +2408,8 @@
         </p:nvSpPr>
         <p:spPr>
           <a:xfrm>
-            <a:off x="822960" y="5989320"/>
-            <a:ext cx="10789920" cy="320040"/>
+            <a:off x="502920" y="6446520"/>
+            <a:ext cx="10789920" cy="274320"/>
           </a:xfrm>
           <a:prstGeom prst="rect">
             <a:avLst/>
@@ -2428,11 +2421,11 @@
           <a:bodyPr wrap="square" rtlCol="0" anchor="ctr"/>
           <a:lstStyle/>
           <a:p>
-            <a:pPr indent="0" marL="0">
+            <a:pPr marL="0" indent="0">
               <a:buNone/>
             </a:pPr>
             <a:r>
-              <a:rPr lang="en-US" sz="1400" dirty="0">
+              <a:rPr lang="en-US" sz="1050" dirty="0">
                 <a:solidFill>
                   <a:srgbClr val="64748B"/>
                 </a:solidFill>
@@ -2440,9 +2433,9 @@
                 <a:ea typeface="Calibri" pitchFamily="34" charset="-122"/>
                 <a:cs typeface="Calibri" pitchFamily="34" charset="-120"/>
               </a:rPr>
-              <a:t>Animateurs : Vincent Boucher &amp; Stéphanie Tessier  •  Enregistrement prévu : lundi 22 décembre 2025</a:t>
-            </a:r>
-            <a:endParaRPr lang="en-US" sz="1400" dirty="0"/>
+              <a:t>Fondation Intelligence / Intelligence Foundation — Programme éducatif public (non commercial) — NE/BN : 855938502 RR0001</a:t>
+            </a:r>
+            <a:endParaRPr lang="en-US" sz="1050" dirty="0"/>
           </a:p>
         </p:txBody>
       </p:sp>
@@ -2454,8 +2447,8 @@
         </p:nvSpPr>
         <p:spPr>
           <a:xfrm>
-            <a:off x="502920" y="6446520"/>
-            <a:ext cx="10789920" cy="274320"/>
+            <a:off x="11475720" y="6446520"/>
+            <a:ext cx="640080" cy="274320"/>
           </a:xfrm>
           <a:prstGeom prst="rect">
             <a:avLst/>
@@ -2467,7 +2460,7 @@
           <a:bodyPr wrap="square" rtlCol="0" anchor="ctr"/>
           <a:lstStyle/>
           <a:p>
-            <a:pPr indent="0" marL="0">
+            <a:pPr marL="0" indent="0" algn="r">
               <a:buNone/>
             </a:pPr>
             <a:r>
@@ -2479,46 +2472,7 @@
                 <a:ea typeface="Calibri" pitchFamily="34" charset="-122"/>
                 <a:cs typeface="Calibri" pitchFamily="34" charset="-120"/>
               </a:rPr>
-              <a:t>Fondation Intelligence / Intelligence Foundation — Programme éducatif public (non commercial) — NE/BN : 855938502 RR0001</a:t>
-            </a:r>
-            <a:endParaRPr lang="en-US" sz="1050" dirty="0"/>
-          </a:p>
-        </p:txBody>
-      </p:sp>
-      <p:sp>
-        <p:nvSpPr>
-          <p:cNvPr id="8" name="Text 6"/>
-          <p:cNvSpPr/>
-          <p:nvPr/>
-        </p:nvSpPr>
-        <p:spPr>
-          <a:xfrm>
-            <a:off x="11475720" y="6446520"/>
-            <a:ext cx="640080" cy="274320"/>
-          </a:xfrm>
-          <a:prstGeom prst="rect">
-            <a:avLst/>
-          </a:prstGeom>
-          <a:noFill/>
-          <a:ln/>
-        </p:spPr>
-        <p:txBody>
-          <a:bodyPr wrap="square" rtlCol="0" anchor="ctr"/>
-          <a:lstStyle/>
-          <a:p>
-            <a:pPr algn="r" indent="0" marL="0">
-              <a:buNone/>
-            </a:pPr>
-            <a:r>
-              <a:rPr lang="en-US" sz="1050" dirty="0">
-                <a:solidFill>
-                  <a:srgbClr val="64748B"/>
-                </a:solidFill>
-                <a:latin typeface="Calibri" pitchFamily="34" charset="0"/>
-                <a:ea typeface="Calibri" pitchFamily="34" charset="-122"/>
-                <a:cs typeface="Calibri" pitchFamily="34" charset="-120"/>
-              </a:rPr>
-              <a:t>1</a:t>
+              <a:t>9</a:t>
             </a:r>
             <a:endParaRPr lang="en-US" sz="1050" dirty="0"/>
           </a:p>
@@ -2532,7 +2486,7 @@
 </p:sld>
 </file>
 
-<file path=ppt/slides/slide10.xml><?xml version="1.0" encoding="utf-8"?>
+<file path=ppt/slides/slide11.xml><?xml version="1.0" encoding="utf-8"?>
 <p:sld xmlns:a="http://schemas.openxmlformats.org/drawingml/2006/main" xmlns:r="http://schemas.openxmlformats.org/officeDocument/2006/relationships" xmlns:p="http://schemas.openxmlformats.org/presentationml/2006/main">
   <p:cSld name="Slide 10">
     <p:bg>
@@ -2540,6 +2494,7 @@
         <a:solidFill>
           <a:srgbClr val="FFFFFF"/>
         </a:solidFill>
+        <a:effectLst/>
       </p:bgPr>
     </p:bg>
     <p:spTree>
@@ -2580,6 +2535,13 @@
             <a:prstDash val="solid"/>
           </a:ln>
         </p:spPr>
+        <p:txBody>
+          <a:bodyPr/>
+          <a:lstStyle/>
+          <a:p>
+            <a:endParaRPr lang="en-US"/>
+          </a:p>
+        </p:txBody>
       </p:sp>
       <p:sp>
         <p:nvSpPr>
@@ -2602,7 +2564,7 @@
           <a:bodyPr wrap="square" rtlCol="0" anchor="ctr"/>
           <a:lstStyle/>
           <a:p>
-            <a:pPr indent="0" marL="0">
+            <a:pPr marL="0" indent="0">
               <a:buNone/>
             </a:pPr>
             <a:r>
@@ -2644,13 +2606,20 @@
             <a:prstDash val="solid"/>
           </a:ln>
           <a:effectLst>
-            <a:outerShdw sx="100000" sy="100000" kx="0" ky="0" algn="bl" rotWithShape="0" blurRad="25400" dist="19050" dir="2700000">
+            <a:outerShdw blurRad="25400" dist="19050" dir="2700000" algn="bl" rotWithShape="0">
               <a:srgbClr val="000000">
                 <a:alpha val="10000"/>
               </a:srgbClr>
             </a:outerShdw>
           </a:effectLst>
         </p:spPr>
+        <p:txBody>
+          <a:bodyPr/>
+          <a:lstStyle/>
+          <a:p>
+            <a:endParaRPr lang="en-US"/>
+          </a:p>
+        </p:txBody>
       </p:sp>
       <p:sp>
         <p:nvSpPr>
@@ -2791,7 +2760,7 @@
           <a:bodyPr wrap="square" rtlCol="0" anchor="ctr"/>
           <a:lstStyle/>
           <a:p>
-            <a:pPr indent="0" marL="0">
+            <a:pPr marL="0" indent="0">
               <a:buNone/>
             </a:pPr>
             <a:r>
@@ -2830,7 +2799,7 @@
           <a:bodyPr wrap="square" rtlCol="0" anchor="ctr"/>
           <a:lstStyle/>
           <a:p>
-            <a:pPr algn="r" indent="0" marL="0">
+            <a:pPr marL="0" indent="0" algn="r">
               <a:buNone/>
             </a:pPr>
             <a:r>
@@ -2856,7 +2825,7 @@
 </p:sld>
 </file>
 
-<file path=ppt/slides/slide11.xml><?xml version="1.0" encoding="utf-8"?>
+<file path=ppt/slides/slide12.xml><?xml version="1.0" encoding="utf-8"?>
 <p:sld xmlns:a="http://schemas.openxmlformats.org/drawingml/2006/main" xmlns:r="http://schemas.openxmlformats.org/officeDocument/2006/relationships" xmlns:p="http://schemas.openxmlformats.org/presentationml/2006/main">
   <p:cSld name="Slide 11">
     <p:bg>
@@ -2864,6 +2833,7 @@
         <a:solidFill>
           <a:srgbClr val="FFFFFF"/>
         </a:solidFill>
+        <a:effectLst/>
       </p:bgPr>
     </p:bg>
     <p:spTree>
@@ -2904,6 +2874,13 @@
             <a:prstDash val="solid"/>
           </a:ln>
         </p:spPr>
+        <p:txBody>
+          <a:bodyPr/>
+          <a:lstStyle/>
+          <a:p>
+            <a:endParaRPr lang="en-US"/>
+          </a:p>
+        </p:txBody>
       </p:sp>
       <p:sp>
         <p:nvSpPr>
@@ -2926,7 +2903,7 @@
           <a:bodyPr wrap="square" rtlCol="0" anchor="ctr"/>
           <a:lstStyle/>
           <a:p>
-            <a:pPr indent="0" marL="0">
+            <a:pPr marL="0" indent="0">
               <a:buNone/>
             </a:pPr>
             <a:r>
@@ -2968,13 +2945,20 @@
             <a:prstDash val="solid"/>
           </a:ln>
           <a:effectLst>
-            <a:outerShdw sx="100000" sy="100000" kx="0" ky="0" algn="bl" rotWithShape="0" blurRad="25400" dist="19050" dir="2700000">
+            <a:outerShdw blurRad="25400" dist="19050" dir="2700000" algn="bl" rotWithShape="0">
               <a:srgbClr val="000000">
                 <a:alpha val="10000"/>
               </a:srgbClr>
             </a:outerShdw>
           </a:effectLst>
         </p:spPr>
+        <p:txBody>
+          <a:bodyPr/>
+          <a:lstStyle/>
+          <a:p>
+            <a:endParaRPr lang="en-US"/>
+          </a:p>
+        </p:txBody>
       </p:sp>
       <p:sp>
         <p:nvSpPr>
@@ -3115,7 +3099,7 @@
           <a:bodyPr wrap="square" rtlCol="0" anchor="ctr"/>
           <a:lstStyle/>
           <a:p>
-            <a:pPr indent="0" marL="0">
+            <a:pPr marL="0" indent="0">
               <a:buNone/>
             </a:pPr>
             <a:r>
@@ -3154,7 +3138,7 @@
           <a:bodyPr wrap="square" rtlCol="0" anchor="ctr"/>
           <a:lstStyle/>
           <a:p>
-            <a:pPr algn="r" indent="0" marL="0">
+            <a:pPr marL="0" indent="0" algn="r">
               <a:buNone/>
             </a:pPr>
             <a:r>
@@ -3180,7 +3164,7 @@
 </p:sld>
 </file>
 
-<file path=ppt/slides/slide12.xml><?xml version="1.0" encoding="utf-8"?>
+<file path=ppt/slides/slide13.xml><?xml version="1.0" encoding="utf-8"?>
 <p:sld xmlns:a="http://schemas.openxmlformats.org/drawingml/2006/main" xmlns:r="http://schemas.openxmlformats.org/officeDocument/2006/relationships" xmlns:p="http://schemas.openxmlformats.org/presentationml/2006/main">
   <p:cSld name="Slide 12">
     <p:bg>
@@ -3188,6 +3172,7 @@
         <a:solidFill>
           <a:srgbClr val="FFFFFF"/>
         </a:solidFill>
+        <a:effectLst/>
       </p:bgPr>
     </p:bg>
     <p:spTree>
@@ -3228,6 +3213,13 @@
             <a:prstDash val="solid"/>
           </a:ln>
         </p:spPr>
+        <p:txBody>
+          <a:bodyPr/>
+          <a:lstStyle/>
+          <a:p>
+            <a:endParaRPr lang="en-US"/>
+          </a:p>
+        </p:txBody>
       </p:sp>
       <p:sp>
         <p:nvSpPr>
@@ -3250,7 +3242,7 @@
           <a:bodyPr wrap="square" rtlCol="0" anchor="ctr"/>
           <a:lstStyle/>
           <a:p>
-            <a:pPr indent="0" marL="0">
+            <a:pPr marL="0" indent="0">
               <a:buNone/>
             </a:pPr>
             <a:r>
@@ -3292,13 +3284,20 @@
             <a:prstDash val="solid"/>
           </a:ln>
           <a:effectLst>
-            <a:outerShdw sx="100000" sy="100000" kx="0" ky="0" algn="bl" rotWithShape="0" blurRad="25400" dist="19050" dir="2700000">
+            <a:outerShdw blurRad="25400" dist="19050" dir="2700000" algn="bl" rotWithShape="0">
               <a:srgbClr val="000000">
                 <a:alpha val="10000"/>
               </a:srgbClr>
             </a:outerShdw>
           </a:effectLst>
         </p:spPr>
+        <p:txBody>
+          <a:bodyPr/>
+          <a:lstStyle/>
+          <a:p>
+            <a:endParaRPr lang="en-US"/>
+          </a:p>
+        </p:txBody>
       </p:sp>
       <p:sp>
         <p:nvSpPr>
@@ -3439,7 +3438,7 @@
           <a:bodyPr wrap="square" rtlCol="0" anchor="ctr"/>
           <a:lstStyle/>
           <a:p>
-            <a:pPr indent="0" marL="0">
+            <a:pPr marL="0" indent="0">
               <a:buNone/>
             </a:pPr>
             <a:r>
@@ -3478,7 +3477,7 @@
           <a:bodyPr wrap="square" rtlCol="0" anchor="ctr"/>
           <a:lstStyle/>
           <a:p>
-            <a:pPr algn="r" indent="0" marL="0">
+            <a:pPr marL="0" indent="0" algn="r">
               <a:buNone/>
             </a:pPr>
             <a:r>
@@ -3504,7 +3503,7 @@
 </p:sld>
 </file>
 
-<file path=ppt/slides/slide13.xml><?xml version="1.0" encoding="utf-8"?>
+<file path=ppt/slides/slide14.xml><?xml version="1.0" encoding="utf-8"?>
 <p:sld xmlns:a="http://schemas.openxmlformats.org/drawingml/2006/main" xmlns:r="http://schemas.openxmlformats.org/officeDocument/2006/relationships" xmlns:p="http://schemas.openxmlformats.org/presentationml/2006/main">
   <p:cSld name="Slide 13">
     <p:bg>
@@ -3512,6 +3511,7 @@
         <a:solidFill>
           <a:srgbClr val="FFFFFF"/>
         </a:solidFill>
+        <a:effectLst/>
       </p:bgPr>
     </p:bg>
     <p:spTree>
@@ -3552,6 +3552,13 @@
             <a:prstDash val="solid"/>
           </a:ln>
         </p:spPr>
+        <p:txBody>
+          <a:bodyPr/>
+          <a:lstStyle/>
+          <a:p>
+            <a:endParaRPr lang="en-US"/>
+          </a:p>
+        </p:txBody>
       </p:sp>
       <p:sp>
         <p:nvSpPr>
@@ -3574,7 +3581,7 @@
           <a:bodyPr wrap="square" rtlCol="0" anchor="ctr"/>
           <a:lstStyle/>
           <a:p>
-            <a:pPr indent="0" marL="0">
+            <a:pPr marL="0" indent="0">
               <a:buNone/>
             </a:pPr>
             <a:r>
@@ -3616,13 +3623,20 @@
             <a:prstDash val="solid"/>
           </a:ln>
           <a:effectLst>
-            <a:outerShdw sx="100000" sy="100000" kx="0" ky="0" algn="bl" rotWithShape="0" blurRad="25400" dist="19050" dir="2700000">
+            <a:outerShdw blurRad="25400" dist="19050" dir="2700000" algn="bl" rotWithShape="0">
               <a:srgbClr val="000000">
                 <a:alpha val="10000"/>
               </a:srgbClr>
             </a:outerShdw>
           </a:effectLst>
         </p:spPr>
+        <p:txBody>
+          <a:bodyPr/>
+          <a:lstStyle/>
+          <a:p>
+            <a:endParaRPr lang="en-US"/>
+          </a:p>
+        </p:txBody>
       </p:sp>
       <p:sp>
         <p:nvSpPr>
@@ -3763,7 +3777,7 @@
           <a:bodyPr wrap="square" rtlCol="0" anchor="ctr"/>
           <a:lstStyle/>
           <a:p>
-            <a:pPr indent="0" marL="0">
+            <a:pPr marL="0" indent="0">
               <a:buNone/>
             </a:pPr>
             <a:r>
@@ -3802,7 +3816,7 @@
           <a:bodyPr wrap="square" rtlCol="0" anchor="ctr"/>
           <a:lstStyle/>
           <a:p>
-            <a:pPr algn="r" indent="0" marL="0">
+            <a:pPr marL="0" indent="0" algn="r">
               <a:buNone/>
             </a:pPr>
             <a:r>
@@ -3828,7 +3842,7 @@
 </p:sld>
 </file>
 
-<file path=ppt/slides/slide14.xml><?xml version="1.0" encoding="utf-8"?>
+<file path=ppt/slides/slide15.xml><?xml version="1.0" encoding="utf-8"?>
 <p:sld xmlns:a="http://schemas.openxmlformats.org/drawingml/2006/main" xmlns:r="http://schemas.openxmlformats.org/officeDocument/2006/relationships" xmlns:p="http://schemas.openxmlformats.org/presentationml/2006/main">
   <p:cSld name="Slide 14">
     <p:bg>
@@ -3836,6 +3850,7 @@
         <a:solidFill>
           <a:srgbClr val="FFFFFF"/>
         </a:solidFill>
+        <a:effectLst/>
       </p:bgPr>
     </p:bg>
     <p:spTree>
@@ -3876,6 +3891,13 @@
             <a:prstDash val="solid"/>
           </a:ln>
         </p:spPr>
+        <p:txBody>
+          <a:bodyPr/>
+          <a:lstStyle/>
+          <a:p>
+            <a:endParaRPr lang="en-US"/>
+          </a:p>
+        </p:txBody>
       </p:sp>
       <p:sp>
         <p:nvSpPr>
@@ -3898,7 +3920,7 @@
           <a:bodyPr wrap="square" rtlCol="0" anchor="ctr"/>
           <a:lstStyle/>
           <a:p>
-            <a:pPr indent="0" marL="0">
+            <a:pPr marL="0" indent="0">
               <a:buNone/>
             </a:pPr>
             <a:r>
@@ -3940,13 +3962,20 @@
             <a:prstDash val="solid"/>
           </a:ln>
           <a:effectLst>
-            <a:outerShdw sx="100000" sy="100000" kx="0" ky="0" algn="bl" rotWithShape="0" blurRad="25400" dist="19050" dir="2700000">
+            <a:outerShdw blurRad="25400" dist="19050" dir="2700000" algn="bl" rotWithShape="0">
               <a:srgbClr val="000000">
                 <a:alpha val="10000"/>
               </a:srgbClr>
             </a:outerShdw>
           </a:effectLst>
         </p:spPr>
+        <p:txBody>
+          <a:bodyPr/>
+          <a:lstStyle/>
+          <a:p>
+            <a:endParaRPr lang="en-US"/>
+          </a:p>
+        </p:txBody>
       </p:sp>
       <p:sp>
         <p:nvSpPr>
@@ -4087,7 +4116,7 @@
           <a:bodyPr wrap="square" rtlCol="0" anchor="ctr"/>
           <a:lstStyle/>
           <a:p>
-            <a:pPr indent="0" marL="0">
+            <a:pPr marL="0" indent="0">
               <a:buNone/>
             </a:pPr>
             <a:r>
@@ -4126,7 +4155,7 @@
           <a:bodyPr wrap="square" rtlCol="0" anchor="ctr"/>
           <a:lstStyle/>
           <a:p>
-            <a:pPr algn="r" indent="0" marL="0">
+            <a:pPr marL="0" indent="0" algn="r">
               <a:buNone/>
             </a:pPr>
             <a:r>
@@ -4152,7 +4181,7 @@
 </p:sld>
 </file>
 
-<file path=ppt/slides/slide15.xml><?xml version="1.0" encoding="utf-8"?>
+<file path=ppt/slides/slide16.xml><?xml version="1.0" encoding="utf-8"?>
 <p:sld xmlns:a="http://schemas.openxmlformats.org/drawingml/2006/main" xmlns:r="http://schemas.openxmlformats.org/officeDocument/2006/relationships" xmlns:p="http://schemas.openxmlformats.org/presentationml/2006/main">
   <p:cSld name="Slide 15">
     <p:bg>
@@ -4160,6 +4189,7 @@
         <a:solidFill>
           <a:srgbClr val="FFFFFF"/>
         </a:solidFill>
+        <a:effectLst/>
       </p:bgPr>
     </p:bg>
     <p:spTree>
@@ -4200,6 +4230,13 @@
             <a:prstDash val="solid"/>
           </a:ln>
         </p:spPr>
+        <p:txBody>
+          <a:bodyPr/>
+          <a:lstStyle/>
+          <a:p>
+            <a:endParaRPr lang="en-US"/>
+          </a:p>
+        </p:txBody>
       </p:sp>
       <p:sp>
         <p:nvSpPr>
@@ -4222,7 +4259,7 @@
           <a:bodyPr wrap="square" rtlCol="0" anchor="ctr"/>
           <a:lstStyle/>
           <a:p>
-            <a:pPr indent="0" marL="0">
+            <a:pPr marL="0" indent="0">
               <a:buNone/>
             </a:pPr>
             <a:r>
@@ -4264,13 +4301,20 @@
             <a:prstDash val="solid"/>
           </a:ln>
           <a:effectLst>
-            <a:outerShdw sx="100000" sy="100000" kx="0" ky="0" algn="bl" rotWithShape="0" blurRad="25400" dist="19050" dir="2700000">
+            <a:outerShdw blurRad="25400" dist="19050" dir="2700000" algn="bl" rotWithShape="0">
               <a:srgbClr val="000000">
                 <a:alpha val="10000"/>
               </a:srgbClr>
             </a:outerShdw>
           </a:effectLst>
         </p:spPr>
+        <p:txBody>
+          <a:bodyPr/>
+          <a:lstStyle/>
+          <a:p>
+            <a:endParaRPr lang="en-US"/>
+          </a:p>
+        </p:txBody>
       </p:sp>
       <p:sp>
         <p:nvSpPr>
@@ -4411,7 +4455,7 @@
           <a:bodyPr wrap="square" rtlCol="0" anchor="ctr"/>
           <a:lstStyle/>
           <a:p>
-            <a:pPr indent="0" marL="0">
+            <a:pPr marL="0" indent="0">
               <a:buNone/>
             </a:pPr>
             <a:r>
@@ -4450,7 +4494,7 @@
           <a:bodyPr wrap="square" rtlCol="0" anchor="ctr"/>
           <a:lstStyle/>
           <a:p>
-            <a:pPr algn="r" indent="0" marL="0">
+            <a:pPr marL="0" indent="0" algn="r">
               <a:buNone/>
             </a:pPr>
             <a:r>
@@ -4478,12 +4522,13 @@
 
 <file path=ppt/slides/slide2.xml><?xml version="1.0" encoding="utf-8"?>
 <p:sld xmlns:a="http://schemas.openxmlformats.org/drawingml/2006/main" xmlns:r="http://schemas.openxmlformats.org/officeDocument/2006/relationships" xmlns:p="http://schemas.openxmlformats.org/presentationml/2006/main">
-  <p:cSld name="Slide 2">
+  <p:cSld name="Slide 1">
     <p:bg>
       <p:bgPr>
         <a:solidFill>
           <a:srgbClr val="FFFFFF"/>
         </a:solidFill>
+        <a:effectLst/>
       </p:bgPr>
     </p:bg>
     <p:spTree>
@@ -4524,6 +4569,13 @@
             <a:prstDash val="solid"/>
           </a:ln>
         </p:spPr>
+        <p:txBody>
+          <a:bodyPr/>
+          <a:lstStyle/>
+          <a:p>
+            <a:endParaRPr lang="en-US"/>
+          </a:p>
+        </p:txBody>
       </p:sp>
       <p:sp>
         <p:nvSpPr>
@@ -4533,8 +4585,8 @@
         </p:nvSpPr>
         <p:spPr>
           <a:xfrm>
-            <a:off x="594360" y="594360"/>
-            <a:ext cx="11064240" cy="594360"/>
+            <a:off x="822960" y="1188720"/>
+            <a:ext cx="10789920" cy="1097280"/>
           </a:xfrm>
           <a:prstGeom prst="rect">
             <a:avLst/>
@@ -4546,11 +4598,11 @@
           <a:bodyPr wrap="square" rtlCol="0" anchor="ctr"/>
           <a:lstStyle/>
           <a:p>
-            <a:pPr indent="0" marL="0">
+            <a:pPr marL="0" indent="0">
               <a:buNone/>
             </a:pPr>
             <a:r>
-              <a:rPr lang="en-US" sz="3000" b="1" dirty="0">
+              <a:rPr lang="en-US" sz="4400" b="1" dirty="0">
                 <a:solidFill>
                   <a:srgbClr val="0F172A"/>
                 </a:solidFill>
@@ -4558,9 +4610,26 @@
                 <a:ea typeface="Calibri" pitchFamily="34" charset="-122"/>
                 <a:cs typeface="Calibri" pitchFamily="34" charset="-120"/>
               </a:rPr>
-              <a:t>Mission &amp; cadre non commercial</a:t>
-            </a:r>
-            <a:endParaRPr lang="en-US" sz="3000" dirty="0"/>
+              <a:t>Webinaire éducatif public</a:t>
+            </a:r>
+            <a:endParaRPr lang="en-US" sz="4400" dirty="0"/>
+          </a:p>
+          <a:p>
+            <a:pPr marL="0" indent="0">
+              <a:buNone/>
+            </a:pPr>
+            <a:r>
+              <a:rPr lang="en-US" sz="4400" b="1" dirty="0">
+                <a:solidFill>
+                  <a:srgbClr val="0F172A"/>
+                </a:solidFill>
+                <a:latin typeface="Calibri" pitchFamily="34" charset="0"/>
+                <a:ea typeface="Calibri" pitchFamily="34" charset="-122"/>
+                <a:cs typeface="Calibri" pitchFamily="34" charset="-120"/>
+              </a:rPr>
+              <a:t>Littératie en sécurité de l’IA</a:t>
+            </a:r>
+            <a:endParaRPr lang="en-US" sz="4400" dirty="0"/>
           </a:p>
         </p:txBody>
       </p:sp>
@@ -4572,8 +4641,8 @@
         </p:nvSpPr>
         <p:spPr>
           <a:xfrm>
-            <a:off x="594360" y="1417320"/>
-            <a:ext cx="11018520" cy="4800600"/>
+            <a:off x="822960" y="2514600"/>
+            <a:ext cx="10789920" cy="2377440"/>
           </a:xfrm>
           <a:prstGeom prst="roundRect">
             <a:avLst/>
@@ -4588,13 +4657,20 @@
             <a:prstDash val="solid"/>
           </a:ln>
           <a:effectLst>
-            <a:outerShdw sx="100000" sy="100000" kx="0" ky="0" algn="bl" rotWithShape="0" blurRad="25400" dist="19050" dir="2700000">
+            <a:outerShdw blurRad="25400" dist="19050" dir="2700000" algn="bl" rotWithShape="0">
               <a:srgbClr val="000000">
                 <a:alpha val="10000"/>
               </a:srgbClr>
             </a:outerShdw>
           </a:effectLst>
         </p:spPr>
+        <p:txBody>
+          <a:bodyPr/>
+          <a:lstStyle/>
+          <a:p>
+            <a:endParaRPr lang="en-US"/>
+          </a:p>
+        </p:txBody>
       </p:sp>
       <p:sp>
         <p:nvSpPr>
@@ -4604,8 +4680,8 @@
         </p:nvSpPr>
         <p:spPr>
           <a:xfrm>
-            <a:off x="960120" y="1737360"/>
-            <a:ext cx="10287000" cy="4389120"/>
+            <a:off x="1143000" y="2788920"/>
+            <a:ext cx="10149840" cy="1828800"/>
           </a:xfrm>
           <a:prstGeom prst="rect">
             <a:avLst/>
@@ -4614,21 +4690,17 @@
           <a:ln/>
         </p:spPr>
         <p:txBody>
-          <a:bodyPr wrap="square" rtlCol="0" anchor="t"/>
-          <a:lstStyle/>
-          <a:p>
-            <a:pPr marL="317500" indent="-317500">
+          <a:bodyPr wrap="square" rtlCol="0" anchor="ctr"/>
+          <a:lstStyle/>
+          <a:p>
+            <a:pPr marL="0" indent="0">
               <a:lnSpc>
-                <a:spcPct val="105000"/>
+                <a:spcPct val="112000"/>
               </a:lnSpc>
-              <a:spcAft>
-                <a:spcPts val="1000"/>
-              </a:spcAft>
-              <a:buSzPct val="100000"/>
-              <a:buChar char="•"/>
-            </a:pPr>
-            <a:r>
-              <a:rPr lang="en-US" sz="2200" dirty="0">
+              <a:buNone/>
+            </a:pPr>
+            <a:r>
+              <a:rPr lang="en-US" sz="1800" dirty="0">
                 <a:solidFill>
                   <a:srgbClr val="334155"/>
                 </a:solidFill>
@@ -4636,23 +4708,19 @@
                 <a:ea typeface="Calibri" pitchFamily="34" charset="-122"/>
                 <a:cs typeface="Calibri" pitchFamily="34" charset="-120"/>
               </a:rPr>
-              <a:t>Avancement de l’éducation du public (intérêt général)</a:t>
-            </a:r>
-            <a:endParaRPr lang="en-US" sz="2200" dirty="0"/>
-          </a:p>
-          <a:p>
-            <a:pPr marL="317500" indent="-317500">
+              <a:t>Fondation Intelligence / Intelligence Foundation</a:t>
+            </a:r>
+            <a:endParaRPr lang="en-US" sz="1800" dirty="0"/>
+          </a:p>
+          <a:p>
+            <a:pPr marL="0" indent="0">
               <a:lnSpc>
-                <a:spcPct val="105000"/>
+                <a:spcPct val="112000"/>
               </a:lnSpc>
-              <a:spcAft>
-                <a:spcPts val="1000"/>
-              </a:spcAft>
-              <a:buSzPct val="100000"/>
-              <a:buChar char="•"/>
-            </a:pPr>
-            <a:r>
-              <a:rPr lang="en-US" sz="2200" dirty="0">
+              <a:buNone/>
+            </a:pPr>
+            <a:r>
+              <a:rPr lang="en-US" sz="1800" dirty="0">
                 <a:solidFill>
                   <a:srgbClr val="334155"/>
                 </a:solidFill>
@@ -4660,23 +4728,19 @@
                 <a:ea typeface="Calibri" pitchFamily="34" charset="-122"/>
                 <a:cs typeface="Calibri" pitchFamily="34" charset="-120"/>
               </a:rPr>
-              <a:t>Gratuit : accès public aux modules, exercices, quiz et corrigés</a:t>
-            </a:r>
-            <a:endParaRPr lang="en-US" sz="2200" dirty="0"/>
-          </a:p>
-          <a:p>
-            <a:pPr marL="317500" indent="-317500">
+              <a:t>Organisme de bienfaisance enregistré (NE/BN : 855938502 RR0001)</a:t>
+            </a:r>
+            <a:endParaRPr lang="en-US" sz="1800" dirty="0"/>
+          </a:p>
+          <a:p>
+            <a:pPr marL="0" indent="0">
               <a:lnSpc>
-                <a:spcPct val="105000"/>
+                <a:spcPct val="112000"/>
               </a:lnSpc>
-              <a:spcAft>
-                <a:spcPts val="1000"/>
-              </a:spcAft>
-              <a:buSzPct val="100000"/>
-              <a:buChar char="•"/>
-            </a:pPr>
-            <a:r>
-              <a:rPr lang="en-US" sz="2200" dirty="0">
+              <a:buNone/>
+            </a:pPr>
+            <a:r>
+              <a:rPr lang="en-US" sz="1800" dirty="0">
                 <a:solidFill>
                   <a:srgbClr val="334155"/>
                 </a:solidFill>
@@ -4684,23 +4748,19 @@
                 <a:ea typeface="Calibri" pitchFamily="34" charset="-122"/>
                 <a:cs typeface="Calibri" pitchFamily="34" charset="-120"/>
               </a:rPr>
-              <a:t>Non commercial : aucune publicité, aucune vente, aucun avantage privé</a:t>
-            </a:r>
-            <a:endParaRPr lang="en-US" sz="2200" dirty="0"/>
-          </a:p>
-          <a:p>
-            <a:pPr marL="317500" indent="-317500">
+              <a:t>Gratuit • Non commercial • Intérêt public</a:t>
+            </a:r>
+            <a:endParaRPr lang="en-US" sz="1800" dirty="0"/>
+          </a:p>
+          <a:p>
+            <a:pPr marL="0" indent="0">
               <a:lnSpc>
-                <a:spcPct val="105000"/>
+                <a:spcPct val="112000"/>
               </a:lnSpc>
-              <a:spcAft>
-                <a:spcPts val="1000"/>
-              </a:spcAft>
-              <a:buSzPct val="100000"/>
-              <a:buChar char="•"/>
-            </a:pPr>
-            <a:r>
-              <a:rPr lang="en-US" sz="2200" dirty="0">
+              <a:buNone/>
+            </a:pPr>
+            <a:r>
+              <a:rPr lang="en-US" sz="1800" dirty="0">
                 <a:solidFill>
                   <a:srgbClr val="334155"/>
                 </a:solidFill>
@@ -4708,15 +4768,54 @@
                 <a:ea typeface="Calibri" pitchFamily="34" charset="-122"/>
                 <a:cs typeface="Calibri" pitchFamily="34" charset="-120"/>
               </a:rPr>
-              <a:t>Sécurité : pas d’instructions nuisibles; refus + alternatives légitimes</a:t>
-            </a:r>
-            <a:endParaRPr lang="en-US" sz="2200" dirty="0"/>
+              <a:t>Ressources : https://fondationintelligence.github.io/</a:t>
+            </a:r>
+            <a:endParaRPr lang="en-US" sz="1800" dirty="0"/>
           </a:p>
         </p:txBody>
       </p:sp>
       <p:sp>
         <p:nvSpPr>
           <p:cNvPr id="6" name="Text 4"/>
+          <p:cNvSpPr/>
+          <p:nvPr/>
+        </p:nvSpPr>
+        <p:spPr>
+          <a:xfrm>
+            <a:off x="822960" y="5989320"/>
+            <a:ext cx="10789920" cy="320040"/>
+          </a:xfrm>
+          <a:prstGeom prst="rect">
+            <a:avLst/>
+          </a:prstGeom>
+          <a:noFill/>
+          <a:ln/>
+        </p:spPr>
+        <p:txBody>
+          <a:bodyPr wrap="square" rtlCol="0" anchor="ctr"/>
+          <a:lstStyle/>
+          <a:p>
+            <a:pPr marL="0" indent="0">
+              <a:buNone/>
+            </a:pPr>
+            <a:r>
+              <a:rPr lang="en-US" sz="1400" dirty="0">
+                <a:solidFill>
+                  <a:srgbClr val="64748B"/>
+                </a:solidFill>
+                <a:latin typeface="Calibri" pitchFamily="34" charset="0"/>
+                <a:ea typeface="Calibri" pitchFamily="34" charset="-122"/>
+                <a:cs typeface="Calibri" pitchFamily="34" charset="-120"/>
+              </a:rPr>
+              <a:t>Animateurs : Vincent Boucher &amp; Stéphanie Tessier  •  Enregistrement prévu : lundi 22 décembre 2025</a:t>
+            </a:r>
+            <a:endParaRPr lang="en-US" sz="1400" dirty="0"/>
+          </a:p>
+        </p:txBody>
+      </p:sp>
+      <p:sp>
+        <p:nvSpPr>
+          <p:cNvPr id="7" name="Text 5"/>
           <p:cNvSpPr/>
           <p:nvPr/>
         </p:nvSpPr>
@@ -4735,7 +4834,7 @@
           <a:bodyPr wrap="square" rtlCol="0" anchor="ctr"/>
           <a:lstStyle/>
           <a:p>
-            <a:pPr indent="0" marL="0">
+            <a:pPr marL="0" indent="0">
               <a:buNone/>
             </a:pPr>
             <a:r>
@@ -4755,7 +4854,7 @@
       </p:sp>
       <p:sp>
         <p:nvSpPr>
-          <p:cNvPr id="7" name="Text 5"/>
+          <p:cNvPr id="8" name="Text 6"/>
           <p:cNvSpPr/>
           <p:nvPr/>
         </p:nvSpPr>
@@ -4774,7 +4873,7 @@
           <a:bodyPr wrap="square" rtlCol="0" anchor="ctr"/>
           <a:lstStyle/>
           <a:p>
-            <a:pPr algn="r" indent="0" marL="0">
+            <a:pPr marL="0" indent="0" algn="r">
               <a:buNone/>
             </a:pPr>
             <a:r>
@@ -4786,7 +4885,7 @@
                 <a:ea typeface="Calibri" pitchFamily="34" charset="-122"/>
                 <a:cs typeface="Calibri" pitchFamily="34" charset="-120"/>
               </a:rPr>
-              <a:t>2</a:t>
+              <a:t>1</a:t>
             </a:r>
             <a:endParaRPr lang="en-US" sz="1050" dirty="0"/>
           </a:p>
@@ -4802,12 +4901,13 @@
 
 <file path=ppt/slides/slide3.xml><?xml version="1.0" encoding="utf-8"?>
 <p:sld xmlns:a="http://schemas.openxmlformats.org/drawingml/2006/main" xmlns:r="http://schemas.openxmlformats.org/officeDocument/2006/relationships" xmlns:p="http://schemas.openxmlformats.org/presentationml/2006/main">
-  <p:cSld name="Slide 3">
+  <p:cSld name="Slide 2">
     <p:bg>
       <p:bgPr>
         <a:solidFill>
           <a:srgbClr val="FFFFFF"/>
         </a:solidFill>
+        <a:effectLst/>
       </p:bgPr>
     </p:bg>
     <p:spTree>
@@ -4848,6 +4948,13 @@
             <a:prstDash val="solid"/>
           </a:ln>
         </p:spPr>
+        <p:txBody>
+          <a:bodyPr/>
+          <a:lstStyle/>
+          <a:p>
+            <a:endParaRPr lang="en-US"/>
+          </a:p>
+        </p:txBody>
       </p:sp>
       <p:sp>
         <p:nvSpPr>
@@ -4870,7 +4977,7 @@
           <a:bodyPr wrap="square" rtlCol="0" anchor="ctr"/>
           <a:lstStyle/>
           <a:p>
-            <a:pPr indent="0" marL="0">
+            <a:pPr marL="0" indent="0">
               <a:buNone/>
             </a:pPr>
             <a:r>
@@ -4882,7 +4989,7 @@
                 <a:ea typeface="Calibri" pitchFamily="34" charset="-122"/>
                 <a:cs typeface="Calibri" pitchFamily="34" charset="-120"/>
               </a:rPr>
-              <a:t>Objectifs d’apprentissage</a:t>
+              <a:t>Mission &amp; cadre non commercial</a:t>
             </a:r>
             <a:endParaRPr lang="en-US" sz="3000" dirty="0"/>
           </a:p>
@@ -4912,13 +5019,20 @@
             <a:prstDash val="solid"/>
           </a:ln>
           <a:effectLst>
-            <a:outerShdw sx="100000" sy="100000" kx="0" ky="0" algn="bl" rotWithShape="0" blurRad="25400" dist="19050" dir="2700000">
+            <a:outerShdw blurRad="25400" dist="19050" dir="2700000" algn="bl" rotWithShape="0">
               <a:srgbClr val="000000">
                 <a:alpha val="10000"/>
               </a:srgbClr>
             </a:outerShdw>
           </a:effectLst>
         </p:spPr>
+        <p:txBody>
+          <a:bodyPr/>
+          <a:lstStyle/>
+          <a:p>
+            <a:endParaRPr lang="en-US"/>
+          </a:p>
+        </p:txBody>
       </p:sp>
       <p:sp>
         <p:nvSpPr>
@@ -4960,7 +5074,7 @@
                 <a:ea typeface="Calibri" pitchFamily="34" charset="-122"/>
                 <a:cs typeface="Calibri" pitchFamily="34" charset="-120"/>
               </a:rPr>
-              <a:t>Comprendre limites, incertitude, biais, robustesse et risques</a:t>
+              <a:t>Avancement de l’éducation du public (intérêt général)</a:t>
             </a:r>
             <a:endParaRPr lang="en-US" sz="2200" dirty="0"/>
           </a:p>
@@ -4984,7 +5098,7 @@
                 <a:ea typeface="Calibri" pitchFamily="34" charset="-122"/>
                 <a:cs typeface="Calibri" pitchFamily="34" charset="-120"/>
               </a:rPr>
-              <a:t>Appliquer : Objectif → Scénarios → Critères → Décision</a:t>
+              <a:t>Gratuit : accès public aux modules, exercices, quiz et corrigés</a:t>
             </a:r>
             <a:endParaRPr lang="en-US" sz="2200" dirty="0"/>
           </a:p>
@@ -5008,7 +5122,73 @@
                 <a:ea typeface="Calibri" pitchFamily="34" charset="-122"/>
                 <a:cs typeface="Calibri" pitchFamily="34" charset="-120"/>
               </a:rPr>
-              <a:t>Choisir des garde‑fous (vérification, limites, supervision, trace)</a:t>
+              <a:t>Non commercial : </a:t>
+            </a:r>
+            <a:r>
+              <a:rPr lang="en-US" sz="2200" dirty="0" err="1">
+                <a:solidFill>
+                  <a:srgbClr val="334155"/>
+                </a:solidFill>
+                <a:latin typeface="Calibri" pitchFamily="34" charset="0"/>
+                <a:ea typeface="Calibri" pitchFamily="34" charset="-122"/>
+                <a:cs typeface="Calibri" pitchFamily="34" charset="-120"/>
+              </a:rPr>
+              <a:t>aucune</a:t>
+            </a:r>
+            <a:r>
+              <a:rPr lang="en-US" sz="2200" dirty="0">
+                <a:solidFill>
+                  <a:srgbClr val="334155"/>
+                </a:solidFill>
+                <a:latin typeface="Calibri" pitchFamily="34" charset="0"/>
+                <a:ea typeface="Calibri" pitchFamily="34" charset="-122"/>
+                <a:cs typeface="Calibri" pitchFamily="34" charset="-120"/>
+              </a:rPr>
+              <a:t> </a:t>
+            </a:r>
+            <a:r>
+              <a:rPr lang="en-US" sz="2200" dirty="0" err="1">
+                <a:solidFill>
+                  <a:srgbClr val="334155"/>
+                </a:solidFill>
+                <a:latin typeface="Calibri" pitchFamily="34" charset="0"/>
+                <a:ea typeface="Calibri" pitchFamily="34" charset="-122"/>
+                <a:cs typeface="Calibri" pitchFamily="34" charset="-120"/>
+              </a:rPr>
+              <a:t>monétisation</a:t>
+            </a:r>
+            <a:r>
+              <a:rPr lang="en-US" sz="2200" dirty="0">
+                <a:solidFill>
+                  <a:srgbClr val="334155"/>
+                </a:solidFill>
+                <a:latin typeface="Calibri" pitchFamily="34" charset="0"/>
+                <a:ea typeface="Calibri" pitchFamily="34" charset="-122"/>
+                <a:cs typeface="Calibri" pitchFamily="34" charset="-120"/>
+              </a:rPr>
+              <a:t> par la </a:t>
+            </a:r>
+            <a:r>
+              <a:rPr lang="en-US" sz="2200" dirty="0" err="1">
+                <a:solidFill>
+                  <a:srgbClr val="334155"/>
+                </a:solidFill>
+                <a:latin typeface="Calibri" pitchFamily="34" charset="0"/>
+                <a:ea typeface="Calibri" pitchFamily="34" charset="-122"/>
+                <a:cs typeface="Calibri" pitchFamily="34" charset="-120"/>
+              </a:rPr>
+              <a:t>Fondation</a:t>
+            </a:r>
+            <a:r>
+              <a:rPr lang="en-US" sz="2200" dirty="0">
+                <a:solidFill>
+                  <a:srgbClr val="334155"/>
+                </a:solidFill>
+                <a:latin typeface="Calibri" pitchFamily="34" charset="0"/>
+                <a:ea typeface="Calibri" pitchFamily="34" charset="-122"/>
+                <a:cs typeface="Calibri" pitchFamily="34" charset="-120"/>
+              </a:rPr>
+              <a:t>, aucune vente, aucun avantage privé</a:t>
             </a:r>
             <a:endParaRPr lang="en-US" sz="2200" dirty="0"/>
           </a:p>
@@ -5032,7 +5212,7 @@
                 <a:ea typeface="Calibri" pitchFamily="34" charset="-122"/>
                 <a:cs typeface="Calibri" pitchFamily="34" charset="-120"/>
               </a:rPr>
-              <a:t>Comprendre interprétabilité, red teaming (cadre sûr) et gouvernance</a:t>
+              <a:t>Sécurité : pas d’instructions nuisibles; refus + alternatives légitimes</a:t>
             </a:r>
             <a:endParaRPr lang="en-US" sz="2200" dirty="0"/>
           </a:p>
@@ -5059,7 +5239,7 @@
           <a:bodyPr wrap="square" rtlCol="0" anchor="ctr"/>
           <a:lstStyle/>
           <a:p>
-            <a:pPr indent="0" marL="0">
+            <a:pPr marL="0" indent="0">
               <a:buNone/>
             </a:pPr>
             <a:r>
@@ -5098,7 +5278,7 @@
           <a:bodyPr wrap="square" rtlCol="0" anchor="ctr"/>
           <a:lstStyle/>
           <a:p>
-            <a:pPr algn="r" indent="0" marL="0">
+            <a:pPr marL="0" indent="0" algn="r">
               <a:buNone/>
             </a:pPr>
             <a:r>
@@ -5110,7 +5290,7 @@
                 <a:ea typeface="Calibri" pitchFamily="34" charset="-122"/>
                 <a:cs typeface="Calibri" pitchFamily="34" charset="-120"/>
               </a:rPr>
-              <a:t>3</a:t>
+              <a:t>2</a:t>
             </a:r>
             <a:endParaRPr lang="en-US" sz="1050" dirty="0"/>
           </a:p>
@@ -5126,12 +5306,13 @@
 
 <file path=ppt/slides/slide4.xml><?xml version="1.0" encoding="utf-8"?>
 <p:sld xmlns:a="http://schemas.openxmlformats.org/drawingml/2006/main" xmlns:r="http://schemas.openxmlformats.org/officeDocument/2006/relationships" xmlns:p="http://schemas.openxmlformats.org/presentationml/2006/main">
-  <p:cSld name="Slide 4">
+  <p:cSld name="Slide 3">
     <p:bg>
       <p:bgPr>
         <a:solidFill>
           <a:srgbClr val="FFFFFF"/>
         </a:solidFill>
+        <a:effectLst/>
       </p:bgPr>
     </p:bg>
     <p:spTree>
@@ -5172,6 +5353,13 @@
             <a:prstDash val="solid"/>
           </a:ln>
         </p:spPr>
+        <p:txBody>
+          <a:bodyPr/>
+          <a:lstStyle/>
+          <a:p>
+            <a:endParaRPr lang="en-US"/>
+          </a:p>
+        </p:txBody>
       </p:sp>
       <p:sp>
         <p:nvSpPr>
@@ -5194,7 +5382,7 @@
           <a:bodyPr wrap="square" rtlCol="0" anchor="ctr"/>
           <a:lstStyle/>
           <a:p>
-            <a:pPr indent="0" marL="0">
+            <a:pPr marL="0" indent="0">
               <a:buNone/>
             </a:pPr>
             <a:r>
@@ -5206,7 +5394,7 @@
                 <a:ea typeface="Calibri" pitchFamily="34" charset="-122"/>
                 <a:cs typeface="Calibri" pitchFamily="34" charset="-120"/>
               </a:rPr>
-              <a:t>Structure du programme (méthode pédagogique)</a:t>
+              <a:t>Objectifs d’apprentissage</a:t>
             </a:r>
             <a:endParaRPr lang="en-US" sz="3000" dirty="0"/>
           </a:p>
@@ -5236,13 +5424,20 @@
             <a:prstDash val="solid"/>
           </a:ln>
           <a:effectLst>
-            <a:outerShdw sx="100000" sy="100000" kx="0" ky="0" algn="bl" rotWithShape="0" blurRad="25400" dist="19050" dir="2700000">
+            <a:outerShdw blurRad="25400" dist="19050" dir="2700000" algn="bl" rotWithShape="0">
               <a:srgbClr val="000000">
                 <a:alpha val="10000"/>
               </a:srgbClr>
             </a:outerShdw>
           </a:effectLst>
         </p:spPr>
+        <p:txBody>
+          <a:bodyPr/>
+          <a:lstStyle/>
+          <a:p>
+            <a:endParaRPr lang="en-US"/>
+          </a:p>
+        </p:txBody>
       </p:sp>
       <p:sp>
         <p:nvSpPr>
@@ -5284,7 +5479,7 @@
                 <a:ea typeface="Calibri" pitchFamily="34" charset="-122"/>
                 <a:cs typeface="Calibri" pitchFamily="34" charset="-120"/>
               </a:rPr>
-              <a:t>Objectifs → Contenu progressif → Exercice → Quiz → Corrigé</a:t>
+              <a:t>Comprendre limites, incertitude, biais, robustesse et risques</a:t>
             </a:r>
             <a:endParaRPr lang="en-US" sz="2200" dirty="0"/>
           </a:p>
@@ -5308,7 +5503,7 @@
                 <a:ea typeface="Calibri" pitchFamily="34" charset="-122"/>
                 <a:cs typeface="Calibri" pitchFamily="34" charset="-120"/>
               </a:rPr>
-              <a:t>Traçabilité : journal public + historique de versions</a:t>
+              <a:t>Appliquer : Objectif → Scénarios → Critères → Décision</a:t>
             </a:r>
             <a:endParaRPr lang="en-US" sz="2200" dirty="0"/>
           </a:p>
@@ -5332,7 +5527,7 @@
                 <a:ea typeface="Calibri" pitchFamily="34" charset="-122"/>
                 <a:cs typeface="Calibri" pitchFamily="34" charset="-120"/>
               </a:rPr>
-              <a:t>Séances publiques : replay + supports publiés (slides/fiche/quiz)</a:t>
+              <a:t>Choisir des garde‑fous (vérification, limites, supervision, trace)</a:t>
             </a:r>
             <a:endParaRPr lang="en-US" sz="2200" dirty="0"/>
           </a:p>
@@ -5356,7 +5551,7 @@
                 <a:ea typeface="Calibri" pitchFamily="34" charset="-122"/>
                 <a:cs typeface="Calibri" pitchFamily="34" charset="-120"/>
               </a:rPr>
-              <a:t>Approche proportionnée : claire, reproductible, orientée sécurité</a:t>
+              <a:t>Comprendre interprétabilité, red teaming (cadre sûr) et gouvernance</a:t>
             </a:r>
             <a:endParaRPr lang="en-US" sz="2200" dirty="0"/>
           </a:p>
@@ -5383,7 +5578,7 @@
           <a:bodyPr wrap="square" rtlCol="0" anchor="ctr"/>
           <a:lstStyle/>
           <a:p>
-            <a:pPr indent="0" marL="0">
+            <a:pPr marL="0" indent="0">
               <a:buNone/>
             </a:pPr>
             <a:r>
@@ -5422,7 +5617,7 @@
           <a:bodyPr wrap="square" rtlCol="0" anchor="ctr"/>
           <a:lstStyle/>
           <a:p>
-            <a:pPr algn="r" indent="0" marL="0">
+            <a:pPr marL="0" indent="0" algn="r">
               <a:buNone/>
             </a:pPr>
             <a:r>
@@ -5434,7 +5629,7 @@
                 <a:ea typeface="Calibri" pitchFamily="34" charset="-122"/>
                 <a:cs typeface="Calibri" pitchFamily="34" charset="-120"/>
               </a:rPr>
-              <a:t>4</a:t>
+              <a:t>3</a:t>
             </a:r>
             <a:endParaRPr lang="en-US" sz="1050" dirty="0"/>
           </a:p>
@@ -5450,12 +5645,13 @@
 
 <file path=ppt/slides/slide5.xml><?xml version="1.0" encoding="utf-8"?>
 <p:sld xmlns:a="http://schemas.openxmlformats.org/drawingml/2006/main" xmlns:r="http://schemas.openxmlformats.org/officeDocument/2006/relationships" xmlns:p="http://schemas.openxmlformats.org/presentationml/2006/main">
-  <p:cSld name="Slide 5">
+  <p:cSld name="Slide 4">
     <p:bg>
       <p:bgPr>
         <a:solidFill>
           <a:srgbClr val="FFFFFF"/>
         </a:solidFill>
+        <a:effectLst/>
       </p:bgPr>
     </p:bg>
     <p:spTree>
@@ -5496,6 +5692,13 @@
             <a:prstDash val="solid"/>
           </a:ln>
         </p:spPr>
+        <p:txBody>
+          <a:bodyPr/>
+          <a:lstStyle/>
+          <a:p>
+            <a:endParaRPr lang="en-US"/>
+          </a:p>
+        </p:txBody>
       </p:sp>
       <p:sp>
         <p:nvSpPr>
@@ -5518,7 +5721,7 @@
           <a:bodyPr wrap="square" rtlCol="0" anchor="ctr"/>
           <a:lstStyle/>
           <a:p>
-            <a:pPr indent="0" marL="0">
+            <a:pPr marL="0" indent="0">
               <a:buNone/>
             </a:pPr>
             <a:r>
@@ -5530,7 +5733,7 @@
                 <a:ea typeface="Calibri" pitchFamily="34" charset="-122"/>
                 <a:cs typeface="Calibri" pitchFamily="34" charset="-120"/>
               </a:rPr>
-              <a:t>Module 0 — Méthode d’évaluation (4 étapes)</a:t>
+              <a:t>Structure du programme (méthode pédagogique)</a:t>
             </a:r>
             <a:endParaRPr lang="en-US" sz="3000" dirty="0"/>
           </a:p>
@@ -5560,13 +5763,20 @@
             <a:prstDash val="solid"/>
           </a:ln>
           <a:effectLst>
-            <a:outerShdw sx="100000" sy="100000" kx="0" ky="0" algn="bl" rotWithShape="0" blurRad="25400" dist="19050" dir="2700000">
+            <a:outerShdw blurRad="25400" dist="19050" dir="2700000" algn="bl" rotWithShape="0">
               <a:srgbClr val="000000">
                 <a:alpha val="10000"/>
               </a:srgbClr>
             </a:outerShdw>
           </a:effectLst>
         </p:spPr>
+        <p:txBody>
+          <a:bodyPr/>
+          <a:lstStyle/>
+          <a:p>
+            <a:endParaRPr lang="en-US"/>
+          </a:p>
+        </p:txBody>
       </p:sp>
       <p:sp>
         <p:nvSpPr>
@@ -5608,7 +5818,7 @@
                 <a:ea typeface="Calibri" pitchFamily="34" charset="-122"/>
                 <a:cs typeface="Calibri" pitchFamily="34" charset="-120"/>
               </a:rPr>
-              <a:t>1) Objectif : ce qu’on veut + ce qu’on ne veut pas</a:t>
+              <a:t>Objectifs → Contenu progressif → Exercice → Quiz → Corrigé</a:t>
             </a:r>
             <a:endParaRPr lang="en-US" sz="2200" dirty="0"/>
           </a:p>
@@ -5632,7 +5842,7 @@
                 <a:ea typeface="Calibri" pitchFamily="34" charset="-122"/>
                 <a:cs typeface="Calibri" pitchFamily="34" charset="-120"/>
               </a:rPr>
-              <a:t>2) Scénarios : normal + au moins un cas difficile</a:t>
+              <a:t>Traçabilité : journal public + historique de versions</a:t>
             </a:r>
             <a:endParaRPr lang="en-US" sz="2200" dirty="0"/>
           </a:p>
@@ -5656,7 +5866,7 @@
                 <a:ea typeface="Calibri" pitchFamily="34" charset="-122"/>
                 <a:cs typeface="Calibri" pitchFamily="34" charset="-120"/>
               </a:rPr>
-              <a:t>3) Critères : exactitude, prudence, transparence, vie privée, sécurité</a:t>
+              <a:t>Séances publiques : replay + supports publiés (slides/fiche/quiz)</a:t>
             </a:r>
             <a:endParaRPr lang="en-US" sz="2200" dirty="0"/>
           </a:p>
@@ -5680,7 +5890,7 @@
                 <a:ea typeface="Calibri" pitchFamily="34" charset="-122"/>
                 <a:cs typeface="Calibri" pitchFamily="34" charset="-120"/>
               </a:rPr>
-              <a:t>4) Décision : acceptable / avec garde‑fous / non acceptable</a:t>
+              <a:t>Approche proportionnée : claire, reproductible, orientée sécurité</a:t>
             </a:r>
             <a:endParaRPr lang="en-US" sz="2200" dirty="0"/>
           </a:p>
@@ -5707,7 +5917,7 @@
           <a:bodyPr wrap="square" rtlCol="0" anchor="ctr"/>
           <a:lstStyle/>
           <a:p>
-            <a:pPr indent="0" marL="0">
+            <a:pPr marL="0" indent="0">
               <a:buNone/>
             </a:pPr>
             <a:r>
@@ -5746,7 +5956,7 @@
           <a:bodyPr wrap="square" rtlCol="0" anchor="ctr"/>
           <a:lstStyle/>
           <a:p>
-            <a:pPr algn="r" indent="0" marL="0">
+            <a:pPr marL="0" indent="0" algn="r">
               <a:buNone/>
             </a:pPr>
             <a:r>
@@ -5758,7 +5968,7 @@
                 <a:ea typeface="Calibri" pitchFamily="34" charset="-122"/>
                 <a:cs typeface="Calibri" pitchFamily="34" charset="-120"/>
               </a:rPr>
-              <a:t>5</a:t>
+              <a:t>4</a:t>
             </a:r>
             <a:endParaRPr lang="en-US" sz="1050" dirty="0"/>
           </a:p>
@@ -5774,12 +5984,13 @@
 
 <file path=ppt/slides/slide6.xml><?xml version="1.0" encoding="utf-8"?>
 <p:sld xmlns:a="http://schemas.openxmlformats.org/drawingml/2006/main" xmlns:r="http://schemas.openxmlformats.org/officeDocument/2006/relationships" xmlns:p="http://schemas.openxmlformats.org/presentationml/2006/main">
-  <p:cSld name="Slide 6">
+  <p:cSld name="Slide 5">
     <p:bg>
       <p:bgPr>
         <a:solidFill>
           <a:srgbClr val="FFFFFF"/>
         </a:solidFill>
+        <a:effectLst/>
       </p:bgPr>
     </p:bg>
     <p:spTree>
@@ -5820,6 +6031,13 @@
             <a:prstDash val="solid"/>
           </a:ln>
         </p:spPr>
+        <p:txBody>
+          <a:bodyPr/>
+          <a:lstStyle/>
+          <a:p>
+            <a:endParaRPr lang="en-US"/>
+          </a:p>
+        </p:txBody>
       </p:sp>
       <p:sp>
         <p:nvSpPr>
@@ -5842,7 +6060,7 @@
           <a:bodyPr wrap="square" rtlCol="0" anchor="ctr"/>
           <a:lstStyle/>
           <a:p>
-            <a:pPr indent="0" marL="0">
+            <a:pPr marL="0" indent="0">
               <a:buNone/>
             </a:pPr>
             <a:r>
@@ -5854,7 +6072,7 @@
                 <a:ea typeface="Calibri" pitchFamily="34" charset="-122"/>
                 <a:cs typeface="Calibri" pitchFamily="34" charset="-120"/>
               </a:rPr>
-              <a:t>Module 1 — Fondamentaux : limites &amp; risques</a:t>
+              <a:t>Module 0 — Méthode d’évaluation (4 étapes)</a:t>
             </a:r>
             <a:endParaRPr lang="en-US" sz="3000" dirty="0"/>
           </a:p>
@@ -5884,13 +6102,20 @@
             <a:prstDash val="solid"/>
           </a:ln>
           <a:effectLst>
-            <a:outerShdw sx="100000" sy="100000" kx="0" ky="0" algn="bl" rotWithShape="0" blurRad="25400" dist="19050" dir="2700000">
+            <a:outerShdw blurRad="25400" dist="19050" dir="2700000" algn="bl" rotWithShape="0">
               <a:srgbClr val="000000">
                 <a:alpha val="10000"/>
               </a:srgbClr>
             </a:outerShdw>
           </a:effectLst>
         </p:spPr>
+        <p:txBody>
+          <a:bodyPr/>
+          <a:lstStyle/>
+          <a:p>
+            <a:endParaRPr lang="en-US"/>
+          </a:p>
+        </p:txBody>
       </p:sp>
       <p:sp>
         <p:nvSpPr>
@@ -5932,7 +6157,7 @@
                 <a:ea typeface="Calibri" pitchFamily="34" charset="-122"/>
                 <a:cs typeface="Calibri" pitchFamily="34" charset="-120"/>
               </a:rPr>
-              <a:t>Hallucination, biais, incertitude, robustesse</a:t>
+              <a:t>1) Objectif : ce qu’on veut + ce qu’on ne veut pas</a:t>
             </a:r>
             <a:endParaRPr lang="en-US" sz="2200" dirty="0"/>
           </a:p>
@@ -5956,7 +6181,7 @@
                 <a:ea typeface="Calibri" pitchFamily="34" charset="-122"/>
                 <a:cs typeface="Calibri" pitchFamily="34" charset="-120"/>
               </a:rPr>
-              <a:t>Règle : réponse convaincante ≠ preuve</a:t>
+              <a:t>2) Scénarios : normal + au moins un cas difficile</a:t>
             </a:r>
             <a:endParaRPr lang="en-US" sz="2200" dirty="0"/>
           </a:p>
@@ -5980,7 +6205,7 @@
                 <a:ea typeface="Calibri" pitchFamily="34" charset="-122"/>
                 <a:cs typeface="Calibri" pitchFamily="34" charset="-120"/>
               </a:rPr>
-              <a:t>Risques : information, sécurité, vie privée, dérives d’usage</a:t>
+              <a:t>3) Critères : exactitude, prudence, transparence, vie privée, sécurité</a:t>
             </a:r>
             <a:endParaRPr lang="en-US" sz="2200" dirty="0"/>
           </a:p>
@@ -6004,7 +6229,7 @@
                 <a:ea typeface="Calibri" pitchFamily="34" charset="-122"/>
                 <a:cs typeface="Calibri" pitchFamily="34" charset="-120"/>
               </a:rPr>
-              <a:t>Garde‑fous : vérification, limites, supervision, journalisation</a:t>
+              <a:t>4) Décision : acceptable / avec garde‑fous / non acceptable</a:t>
             </a:r>
             <a:endParaRPr lang="en-US" sz="2200" dirty="0"/>
           </a:p>
@@ -6031,7 +6256,7 @@
           <a:bodyPr wrap="square" rtlCol="0" anchor="ctr"/>
           <a:lstStyle/>
           <a:p>
-            <a:pPr indent="0" marL="0">
+            <a:pPr marL="0" indent="0">
               <a:buNone/>
             </a:pPr>
             <a:r>
@@ -6070,7 +6295,7 @@
           <a:bodyPr wrap="square" rtlCol="0" anchor="ctr"/>
           <a:lstStyle/>
           <a:p>
-            <a:pPr algn="r" indent="0" marL="0">
+            <a:pPr marL="0" indent="0" algn="r">
               <a:buNone/>
             </a:pPr>
             <a:r>
@@ -6082,7 +6307,7 @@
                 <a:ea typeface="Calibri" pitchFamily="34" charset="-122"/>
                 <a:cs typeface="Calibri" pitchFamily="34" charset="-120"/>
               </a:rPr>
-              <a:t>6</a:t>
+              <a:t>5</a:t>
             </a:r>
             <a:endParaRPr lang="en-US" sz="1050" dirty="0"/>
           </a:p>
@@ -6098,12 +6323,13 @@
 
 <file path=ppt/slides/slide7.xml><?xml version="1.0" encoding="utf-8"?>
 <p:sld xmlns:a="http://schemas.openxmlformats.org/drawingml/2006/main" xmlns:r="http://schemas.openxmlformats.org/officeDocument/2006/relationships" xmlns:p="http://schemas.openxmlformats.org/presentationml/2006/main">
-  <p:cSld name="Slide 7">
+  <p:cSld name="Slide 6">
     <p:bg>
       <p:bgPr>
         <a:solidFill>
           <a:srgbClr val="FFFFFF"/>
         </a:solidFill>
+        <a:effectLst/>
       </p:bgPr>
     </p:bg>
     <p:spTree>
@@ -6144,6 +6370,13 @@
             <a:prstDash val="solid"/>
           </a:ln>
         </p:spPr>
+        <p:txBody>
+          <a:bodyPr/>
+          <a:lstStyle/>
+          <a:p>
+            <a:endParaRPr lang="en-US"/>
+          </a:p>
+        </p:txBody>
       </p:sp>
       <p:sp>
         <p:nvSpPr>
@@ -6166,7 +6399,7 @@
           <a:bodyPr wrap="square" rtlCol="0" anchor="ctr"/>
           <a:lstStyle/>
           <a:p>
-            <a:pPr indent="0" marL="0">
+            <a:pPr marL="0" indent="0">
               <a:buNone/>
             </a:pPr>
             <a:r>
@@ -6178,7 +6411,7 @@
                 <a:ea typeface="Calibri" pitchFamily="34" charset="-122"/>
                 <a:cs typeface="Calibri" pitchFamily="34" charset="-120"/>
               </a:rPr>
-              <a:t>Exercice guidé — Refus sécurisé</a:t>
+              <a:t>Module 1 — Fondamentaux : limites &amp; risques</a:t>
             </a:r>
             <a:endParaRPr lang="en-US" sz="3000" dirty="0"/>
           </a:p>
@@ -6208,13 +6441,20 @@
             <a:prstDash val="solid"/>
           </a:ln>
           <a:effectLst>
-            <a:outerShdw sx="100000" sy="100000" kx="0" ky="0" algn="bl" rotWithShape="0" blurRad="25400" dist="19050" dir="2700000">
+            <a:outerShdw blurRad="25400" dist="19050" dir="2700000" algn="bl" rotWithShape="0">
               <a:srgbClr val="000000">
                 <a:alpha val="10000"/>
               </a:srgbClr>
             </a:outerShdw>
           </a:effectLst>
         </p:spPr>
+        <p:txBody>
+          <a:bodyPr/>
+          <a:lstStyle/>
+          <a:p>
+            <a:endParaRPr lang="en-US"/>
+          </a:p>
+        </p:txBody>
       </p:sp>
       <p:sp>
         <p:nvSpPr>
@@ -6256,7 +6496,7 @@
                 <a:ea typeface="Calibri" pitchFamily="34" charset="-122"/>
                 <a:cs typeface="Calibri" pitchFamily="34" charset="-120"/>
               </a:rPr>
-              <a:t>Refus clair (sans ambiguïté)</a:t>
+              <a:t>Hallucination, biais, incertitude, robustesse</a:t>
             </a:r>
             <a:endParaRPr lang="en-US" sz="2200" dirty="0"/>
           </a:p>
@@ -6280,7 +6520,7 @@
                 <a:ea typeface="Calibri" pitchFamily="34" charset="-122"/>
                 <a:cs typeface="Calibri" pitchFamily="34" charset="-120"/>
               </a:rPr>
-              <a:t>Raison neutre + rappel sécurité / légalité</a:t>
+              <a:t>Règle : réponse convaincante ≠ preuve</a:t>
             </a:r>
             <a:endParaRPr lang="en-US" sz="2200" dirty="0"/>
           </a:p>
@@ -6304,7 +6544,7 @@
                 <a:ea typeface="Calibri" pitchFamily="34" charset="-122"/>
                 <a:cs typeface="Calibri" pitchFamily="34" charset="-120"/>
               </a:rPr>
-              <a:t>Alternatives légitimes + prévention</a:t>
+              <a:t>Risques : information, sécurité, vie privée, dérives d’usage</a:t>
             </a:r>
             <a:endParaRPr lang="en-US" sz="2200" dirty="0"/>
           </a:p>
@@ -6328,7 +6568,7 @@
                 <a:ea typeface="Calibri" pitchFamily="34" charset="-122"/>
                 <a:cs typeface="Calibri" pitchFamily="34" charset="-120"/>
               </a:rPr>
-              <a:t>Aucune collecte de données personnelles; ton respectueux</a:t>
+              <a:t>Garde‑fous : vérification, limites, supervision, journalisation</a:t>
             </a:r>
             <a:endParaRPr lang="en-US" sz="2200" dirty="0"/>
           </a:p>
@@ -6355,7 +6595,7 @@
           <a:bodyPr wrap="square" rtlCol="0" anchor="ctr"/>
           <a:lstStyle/>
           <a:p>
-            <a:pPr indent="0" marL="0">
+            <a:pPr marL="0" indent="0">
               <a:buNone/>
             </a:pPr>
             <a:r>
@@ -6394,7 +6634,7 @@
           <a:bodyPr wrap="square" rtlCol="0" anchor="ctr"/>
           <a:lstStyle/>
           <a:p>
-            <a:pPr algn="r" indent="0" marL="0">
+            <a:pPr marL="0" indent="0" algn="r">
               <a:buNone/>
             </a:pPr>
             <a:r>
@@ -6406,7 +6646,7 @@
                 <a:ea typeface="Calibri" pitchFamily="34" charset="-122"/>
                 <a:cs typeface="Calibri" pitchFamily="34" charset="-120"/>
               </a:rPr>
-              <a:t>7</a:t>
+              <a:t>6</a:t>
             </a:r>
             <a:endParaRPr lang="en-US" sz="1050" dirty="0"/>
           </a:p>
@@ -6422,12 +6662,13 @@
 
 <file path=ppt/slides/slide8.xml><?xml version="1.0" encoding="utf-8"?>
 <p:sld xmlns:a="http://schemas.openxmlformats.org/drawingml/2006/main" xmlns:r="http://schemas.openxmlformats.org/officeDocument/2006/relationships" xmlns:p="http://schemas.openxmlformats.org/presentationml/2006/main">
-  <p:cSld name="Slide 8">
+  <p:cSld name="Slide 7">
     <p:bg>
       <p:bgPr>
         <a:solidFill>
           <a:srgbClr val="FFFFFF"/>
         </a:solidFill>
+        <a:effectLst/>
       </p:bgPr>
     </p:bg>
     <p:spTree>
@@ -6468,6 +6709,13 @@
             <a:prstDash val="solid"/>
           </a:ln>
         </p:spPr>
+        <p:txBody>
+          <a:bodyPr/>
+          <a:lstStyle/>
+          <a:p>
+            <a:endParaRPr lang="en-US"/>
+          </a:p>
+        </p:txBody>
       </p:sp>
       <p:sp>
         <p:nvSpPr>
@@ -6490,7 +6738,7 @@
           <a:bodyPr wrap="square" rtlCol="0" anchor="ctr"/>
           <a:lstStyle/>
           <a:p>
-            <a:pPr indent="0" marL="0">
+            <a:pPr marL="0" indent="0">
               <a:buNone/>
             </a:pPr>
             <a:r>
@@ -6502,7 +6750,7 @@
                 <a:ea typeface="Calibri" pitchFamily="34" charset="-122"/>
                 <a:cs typeface="Calibri" pitchFamily="34" charset="-120"/>
               </a:rPr>
-              <a:t>Module 2 — Évaluation &amp; audit (trace)</a:t>
+              <a:t>Exercice guidé — Refus sécurisé</a:t>
             </a:r>
             <a:endParaRPr lang="en-US" sz="3000" dirty="0"/>
           </a:p>
@@ -6532,13 +6780,20 @@
             <a:prstDash val="solid"/>
           </a:ln>
           <a:effectLst>
-            <a:outerShdw sx="100000" sy="100000" kx="0" ky="0" algn="bl" rotWithShape="0" blurRad="25400" dist="19050" dir="2700000">
+            <a:outerShdw blurRad="25400" dist="19050" dir="2700000" algn="bl" rotWithShape="0">
               <a:srgbClr val="000000">
                 <a:alpha val="10000"/>
               </a:srgbClr>
             </a:outerShdw>
           </a:effectLst>
         </p:spPr>
+        <p:txBody>
+          <a:bodyPr/>
+          <a:lstStyle/>
+          <a:p>
+            <a:endParaRPr lang="en-US"/>
+          </a:p>
+        </p:txBody>
       </p:sp>
       <p:sp>
         <p:nvSpPr>
@@ -6580,7 +6835,7 @@
                 <a:ea typeface="Calibri" pitchFamily="34" charset="-122"/>
                 <a:cs typeface="Calibri" pitchFamily="34" charset="-120"/>
               </a:rPr>
-              <a:t>Plan : objectif → scénarios → critères → résultats → décision</a:t>
+              <a:t>Refus clair (sans ambiguïté)</a:t>
             </a:r>
             <a:endParaRPr lang="en-US" sz="2200" dirty="0"/>
           </a:p>
@@ -6604,7 +6859,7 @@
                 <a:ea typeface="Calibri" pitchFamily="34" charset="-122"/>
                 <a:cs typeface="Calibri" pitchFamily="34" charset="-120"/>
               </a:rPr>
-              <a:t>Trace minimale : date, scénario, sortie, note, décision, garde‑fous</a:t>
+              <a:t>Raison neutre + rappel sécurité / légalité</a:t>
             </a:r>
             <a:endParaRPr lang="en-US" sz="2200" dirty="0"/>
           </a:p>
@@ -6628,7 +6883,7 @@
                 <a:ea typeface="Calibri" pitchFamily="34" charset="-122"/>
                 <a:cs typeface="Calibri" pitchFamily="34" charset="-120"/>
               </a:rPr>
-              <a:t>Décision : vert / orange / rouge (selon risque)</a:t>
+              <a:t>Alternatives légitimes + prévention</a:t>
             </a:r>
             <a:endParaRPr lang="en-US" sz="2200" dirty="0"/>
           </a:p>
@@ -6652,7 +6907,7 @@
                 <a:ea typeface="Calibri" pitchFamily="34" charset="-122"/>
                 <a:cs typeface="Calibri" pitchFamily="34" charset="-120"/>
               </a:rPr>
-              <a:t>But : réduire surprises, améliorer prudence et qualité</a:t>
+              <a:t>Aucune collecte de données personnelles; ton respectueux</a:t>
             </a:r>
             <a:endParaRPr lang="en-US" sz="2200" dirty="0"/>
           </a:p>
@@ -6679,7 +6934,7 @@
           <a:bodyPr wrap="square" rtlCol="0" anchor="ctr"/>
           <a:lstStyle/>
           <a:p>
-            <a:pPr indent="0" marL="0">
+            <a:pPr marL="0" indent="0">
               <a:buNone/>
             </a:pPr>
             <a:r>
@@ -6718,7 +6973,7 @@
           <a:bodyPr wrap="square" rtlCol="0" anchor="ctr"/>
           <a:lstStyle/>
           <a:p>
-            <a:pPr algn="r" indent="0" marL="0">
+            <a:pPr marL="0" indent="0" algn="r">
               <a:buNone/>
             </a:pPr>
             <a:r>
@@ -6730,7 +6985,7 @@
                 <a:ea typeface="Calibri" pitchFamily="34" charset="-122"/>
                 <a:cs typeface="Calibri" pitchFamily="34" charset="-120"/>
               </a:rPr>
-              <a:t>8</a:t>
+              <a:t>7</a:t>
             </a:r>
             <a:endParaRPr lang="en-US" sz="1050" dirty="0"/>
           </a:p>
@@ -6746,12 +7001,13 @@
 
 <file path=ppt/slides/slide9.xml><?xml version="1.0" encoding="utf-8"?>
 <p:sld xmlns:a="http://schemas.openxmlformats.org/drawingml/2006/main" xmlns:r="http://schemas.openxmlformats.org/officeDocument/2006/relationships" xmlns:p="http://schemas.openxmlformats.org/presentationml/2006/main">
-  <p:cSld name="Slide 9">
+  <p:cSld name="Slide 8">
     <p:bg>
       <p:bgPr>
         <a:solidFill>
           <a:srgbClr val="FFFFFF"/>
         </a:solidFill>
+        <a:effectLst/>
       </p:bgPr>
     </p:bg>
     <p:spTree>
@@ -6792,6 +7048,13 @@
             <a:prstDash val="solid"/>
           </a:ln>
         </p:spPr>
+        <p:txBody>
+          <a:bodyPr/>
+          <a:lstStyle/>
+          <a:p>
+            <a:endParaRPr lang="en-US"/>
+          </a:p>
+        </p:txBody>
       </p:sp>
       <p:sp>
         <p:nvSpPr>
@@ -6814,7 +7077,7 @@
           <a:bodyPr wrap="square" rtlCol="0" anchor="ctr"/>
           <a:lstStyle/>
           <a:p>
-            <a:pPr indent="0" marL="0">
+            <a:pPr marL="0" indent="0">
               <a:buNone/>
             </a:pPr>
             <a:r>
@@ -6826,7 +7089,7 @@
                 <a:ea typeface="Calibri" pitchFamily="34" charset="-122"/>
                 <a:cs typeface="Calibri" pitchFamily="34" charset="-120"/>
               </a:rPr>
-              <a:t>Module 3 — Interprétabilité : explications vs preuves</a:t>
+              <a:t>Module 2 — Évaluation &amp; audit (trace)</a:t>
             </a:r>
             <a:endParaRPr lang="en-US" sz="3000" dirty="0"/>
           </a:p>
@@ -6856,13 +7119,20 @@
             <a:prstDash val="solid"/>
           </a:ln>
           <a:effectLst>
-            <a:outerShdw sx="100000" sy="100000" kx="0" ky="0" algn="bl" rotWithShape="0" blurRad="25400" dist="19050" dir="2700000">
+            <a:outerShdw blurRad="25400" dist="19050" dir="2700000" algn="bl" rotWithShape="0">
               <a:srgbClr val="000000">
                 <a:alpha val="10000"/>
               </a:srgbClr>
             </a:outerShdw>
           </a:effectLst>
         </p:spPr>
+        <p:txBody>
+          <a:bodyPr/>
+          <a:lstStyle/>
+          <a:p>
+            <a:endParaRPr lang="en-US"/>
+          </a:p>
+        </p:txBody>
       </p:sp>
       <p:sp>
         <p:nvSpPr>
@@ -6904,7 +7174,7 @@
                 <a:ea typeface="Calibri" pitchFamily="34" charset="-122"/>
                 <a:cs typeface="Calibri" pitchFamily="34" charset="-120"/>
               </a:rPr>
-              <a:t>Explication ≠ preuve : demander vérification externe</a:t>
+              <a:t>Plan : objectif → scénarios → critères → résultats → décision</a:t>
             </a:r>
             <a:endParaRPr lang="en-US" sz="2200" dirty="0"/>
           </a:p>
@@ -6928,7 +7198,7 @@
                 <a:ea typeface="Calibri" pitchFamily="34" charset="-122"/>
                 <a:cs typeface="Calibri" pitchFamily="34" charset="-120"/>
               </a:rPr>
-              <a:t>Indiquer incertitudes et limites</a:t>
+              <a:t>Trace minimale : date, scénario, sortie, note, décision, garde‑fous</a:t>
             </a:r>
             <a:endParaRPr lang="en-US" sz="2200" dirty="0"/>
           </a:p>
@@ -6952,7 +7222,7 @@
                 <a:ea typeface="Calibri" pitchFamily="34" charset="-122"/>
                 <a:cs typeface="Calibri" pitchFamily="34" charset="-120"/>
               </a:rPr>
-              <a:t>Gabarit : ce que je sais / ne sais pas / comment vérifier</a:t>
+              <a:t>Décision : vert / orange / rouge (selon risque)</a:t>
             </a:r>
             <a:endParaRPr lang="en-US" sz="2200" dirty="0"/>
           </a:p>
@@ -6976,7 +7246,7 @@
                 <a:ea typeface="Calibri" pitchFamily="34" charset="-122"/>
                 <a:cs typeface="Calibri" pitchFamily="34" charset="-120"/>
               </a:rPr>
-              <a:t>Objectif : réduire sur‑confiance et erreurs</a:t>
+              <a:t>But : réduire surprises, améliorer prudence et qualité</a:t>
             </a:r>
             <a:endParaRPr lang="en-US" sz="2200" dirty="0"/>
           </a:p>
@@ -7003,7 +7273,7 @@
           <a:bodyPr wrap="square" rtlCol="0" anchor="ctr"/>
           <a:lstStyle/>
           <a:p>
-            <a:pPr indent="0" marL="0">
+            <a:pPr marL="0" indent="0">
               <a:buNone/>
             </a:pPr>
             <a:r>
@@ -7042,7 +7312,7 @@
           <a:bodyPr wrap="square" rtlCol="0" anchor="ctr"/>
           <a:lstStyle/>
           <a:p>
-            <a:pPr algn="r" indent="0" marL="0">
+            <a:pPr marL="0" indent="0" algn="r">
               <a:buNone/>
             </a:pPr>
             <a:r>
@@ -7054,7 +7324,7 @@
                 <a:ea typeface="Calibri" pitchFamily="34" charset="-122"/>
                 <a:cs typeface="Calibri" pitchFamily="34" charset="-120"/>
               </a:rPr>
-              <a:t>9</a:t>
+              <a:t>8</a:t>
             </a:r>
             <a:endParaRPr lang="en-US" sz="1050" dirty="0"/>
           </a:p>
@@ -7361,4 +7631,319 @@
     </a:ext>
   </a:extLst>
 </a:theme>
+</file>
+
+<file path=ppt/theme/theme2.xml><?xml version="1.0" encoding="utf-8"?>
+<a:theme xmlns:a="http://schemas.openxmlformats.org/drawingml/2006/main" name="Office Theme">
+  <a:themeElements>
+    <a:clrScheme name="Office">
+      <a:dk1>
+        <a:sysClr val="windowText" lastClr="000000"/>
+      </a:dk1>
+      <a:lt1>
+        <a:sysClr val="window" lastClr="FFFFFF"/>
+      </a:lt1>
+      <a:dk2>
+        <a:srgbClr val="0E2841"/>
+      </a:dk2>
+      <a:lt2>
+        <a:srgbClr val="E8E8E8"/>
+      </a:lt2>
+      <a:accent1>
+        <a:srgbClr val="156082"/>
+      </a:accent1>
+      <a:accent2>
+        <a:srgbClr val="E97132"/>
+      </a:accent2>
+      <a:accent3>
+        <a:srgbClr val="196B24"/>
+      </a:accent3>
+      <a:accent4>
+        <a:srgbClr val="0F9ED5"/>
+      </a:accent4>
+      <a:accent5>
+        <a:srgbClr val="A02B93"/>
+      </a:accent5>
+      <a:accent6>
+        <a:srgbClr val="4EA72E"/>
+      </a:accent6>
+      <a:hlink>
+        <a:srgbClr val="467886"/>
+      </a:hlink>
+      <a:folHlink>
+        <a:srgbClr val="96607D"/>
+      </a:folHlink>
+    </a:clrScheme>
+    <a:fontScheme name="Office">
+      <a:majorFont>
+        <a:latin typeface="Aptos Display" panose="02110004020202020204"/>
+        <a:ea typeface=""/>
+        <a:cs typeface=""/>
+        <a:font script="Jpan" typeface="游ゴシック Light"/>
+        <a:font script="Hang" typeface="맑은 고딕"/>
+        <a:font script="Hans" typeface="等线 Light"/>
+        <a:font script="Hant" typeface="新細明體"/>
+        <a:font script="Arab" typeface="Times New Roman"/>
+        <a:font script="Hebr" typeface="Times New Roman"/>
+        <a:font script="Thai" typeface="Angsana New"/>
+        <a:font script="Ethi" typeface="Nyala"/>
+        <a:font script="Beng" typeface="Vrinda"/>
+        <a:font script="Gujr" typeface="Shruti"/>
+        <a:font script="Khmr" typeface="MoolBoran"/>
+        <a:font script="Knda" typeface="Tunga"/>
+        <a:font script="Guru" typeface="Raavi"/>
+        <a:font script="Cans" typeface="Euphemia"/>
+        <a:font script="Cher" typeface="Plantagenet Cherokee"/>
+        <a:font script="Yiii" typeface="Microsoft Yi Baiti"/>
+        <a:font script="Tibt" typeface="Microsoft Himalaya"/>
+        <a:font script="Thaa" typeface="MV Boli"/>
+        <a:font script="Deva" typeface="Mangal"/>
+        <a:font script="Telu" typeface="Gautami"/>
+        <a:font script="Taml" typeface="Latha"/>
+        <a:font script="Syrc" typeface="Estrangelo Edessa"/>
+        <a:font script="Orya" typeface="Kalinga"/>
+        <a:font script="Mlym" typeface="Kartika"/>
+        <a:font script="Laoo" typeface="DokChampa"/>
+        <a:font script="Sinh" typeface="Iskoola Pota"/>
+        <a:font script="Mong" typeface="Mongolian Baiti"/>
+        <a:font script="Viet" typeface="Times New Roman"/>
+        <a:font script="Uigh" typeface="Microsoft Uighur"/>
+        <a:font script="Geor" typeface="Sylfaen"/>
+        <a:font script="Armn" typeface="Arial"/>
+        <a:font script="Bugi" typeface="Leelawadee UI"/>
+        <a:font script="Bopo" typeface="Microsoft JhengHei"/>
+        <a:font script="Java" typeface="Javanese Text"/>
+        <a:font script="Lisu" typeface="Segoe UI"/>
+        <a:font script="Mymr" typeface="Myanmar Text"/>
+        <a:font script="Nkoo" typeface="Ebrima"/>
+        <a:font script="Olck" typeface="Nirmala UI"/>
+        <a:font script="Osma" typeface="Ebrima"/>
+        <a:font script="Phag" typeface="Phagspa"/>
+        <a:font script="Syrn" typeface="Estrangelo Edessa"/>
+        <a:font script="Syrj" typeface="Estrangelo Edessa"/>
+        <a:font script="Syre" typeface="Estrangelo Edessa"/>
+        <a:font script="Sora" typeface="Nirmala UI"/>
+        <a:font script="Tale" typeface="Microsoft Tai Le"/>
+        <a:font script="Talu" typeface="Microsoft New Tai Lue"/>
+        <a:font script="Tfng" typeface="Ebrima"/>
+      </a:majorFont>
+      <a:minorFont>
+        <a:latin typeface="Aptos" panose="02110004020202020204"/>
+        <a:ea typeface=""/>
+        <a:cs typeface=""/>
+        <a:font script="Jpan" typeface="游ゴシック"/>
+        <a:font script="Hang" typeface="맑은 고딕"/>
+        <a:font script="Hans" typeface="等线"/>
+        <a:font script="Hant" typeface="新細明體"/>
+        <a:font script="Arab" typeface="Arial"/>
+        <a:font script="Hebr" typeface="Arial"/>
+        <a:font script="Thai" typeface="Cordia New"/>
+        <a:font script="Ethi" typeface="Nyala"/>
+        <a:font script="Beng" typeface="Vrinda"/>
+        <a:font script="Gujr" typeface="Shruti"/>
+        <a:font script="Khmr" typeface="DaunPenh"/>
+        <a:font script="Knda" typeface="Tunga"/>
+        <a:font script="Guru" typeface="Raavi"/>
+        <a:font script="Cans" typeface="Euphemia"/>
+        <a:font script="Cher" typeface="Plantagenet Cherokee"/>
+        <a:font script="Yiii" typeface="Microsoft Yi Baiti"/>
+        <a:font script="Tibt" typeface="Microsoft Himalaya"/>
+        <a:font script="Thaa" typeface="MV Boli"/>
+        <a:font script="Deva" typeface="Mangal"/>
+        <a:font script="Telu" typeface="Gautami"/>
+        <a:font script="Taml" typeface="Latha"/>
+        <a:font script="Syrc" typeface="Estrangelo Edessa"/>
+        <a:font script="Orya" typeface="Kalinga"/>
+        <a:font script="Mlym" typeface="Kartika"/>
+        <a:font script="Laoo" typeface="DokChampa"/>
+        <a:font script="Sinh" typeface="Iskoola Pota"/>
+        <a:font script="Mong" typeface="Mongolian Baiti"/>
+        <a:font script="Viet" typeface="Arial"/>
+        <a:font script="Uigh" typeface="Microsoft Uighur"/>
+        <a:font script="Geor" typeface="Sylfaen"/>
+        <a:font script="Armn" typeface="Arial"/>
+        <a:font script="Bugi" typeface="Leelawadee UI"/>
+        <a:font script="Bopo" typeface="Microsoft JhengHei"/>
+        <a:font script="Java" typeface="Javanese Text"/>
+        <a:font script="Lisu" typeface="Segoe UI"/>
+        <a:font script="Mymr" typeface="Myanmar Text"/>
+        <a:font script="Nkoo" typeface="Ebrima"/>
+        <a:font script="Olck" typeface="Nirmala UI"/>
+        <a:font script="Osma" typeface="Ebrima"/>
+        <a:font script="Phag" typeface="Phagspa"/>
+        <a:font script="Syrn" typeface="Estrangelo Edessa"/>
+        <a:font script="Syrj" typeface="Estrangelo Edessa"/>
+        <a:font script="Syre" typeface="Estrangelo Edessa"/>
+        <a:font script="Sora" typeface="Nirmala UI"/>
+        <a:font script="Tale" typeface="Microsoft Tai Le"/>
+        <a:font script="Talu" typeface="Microsoft New Tai Lue"/>
+        <a:font script="Tfng" typeface="Ebrima"/>
+      </a:minorFont>
+    </a:fontScheme>
+    <a:fmtScheme name="Office">
+      <a:fillStyleLst>
+        <a:solidFill>
+          <a:schemeClr val="phClr"/>
+        </a:solidFill>
+        <a:gradFill rotWithShape="1">
+          <a:gsLst>
+            <a:gs pos="0">
+              <a:schemeClr val="phClr">
+                <a:lumMod val="110000"/>
+                <a:satMod val="105000"/>
+                <a:tint val="67000"/>
+              </a:schemeClr>
+            </a:gs>
+            <a:gs pos="50000">
+              <a:schemeClr val="phClr">
+                <a:lumMod val="105000"/>
+                <a:satMod val="103000"/>
+                <a:tint val="73000"/>
+              </a:schemeClr>
+            </a:gs>
+            <a:gs pos="100000">
+              <a:schemeClr val="phClr">
+                <a:lumMod val="105000"/>
+                <a:satMod val="109000"/>
+                <a:tint val="81000"/>
+              </a:schemeClr>
+            </a:gs>
+          </a:gsLst>
+          <a:lin ang="5400000" scaled="0"/>
+        </a:gradFill>
+        <a:gradFill rotWithShape="1">
+          <a:gsLst>
+            <a:gs pos="0">
+              <a:schemeClr val="phClr">
+                <a:satMod val="103000"/>
+                <a:lumMod val="102000"/>
+                <a:tint val="94000"/>
+              </a:schemeClr>
+            </a:gs>
+            <a:gs pos="50000">
+              <a:schemeClr val="phClr">
+                <a:satMod val="110000"/>
+                <a:lumMod val="100000"/>
+                <a:shade val="100000"/>
+              </a:schemeClr>
+            </a:gs>
+            <a:gs pos="100000">
+              <a:schemeClr val="phClr">
+                <a:lumMod val="99000"/>
+                <a:satMod val="120000"/>
+                <a:shade val="78000"/>
+              </a:schemeClr>
+            </a:gs>
+          </a:gsLst>
+          <a:lin ang="5400000" scaled="0"/>
+        </a:gradFill>
+      </a:fillStyleLst>
+      <a:lnStyleLst>
+        <a:ln w="12700" cap="flat" cmpd="sng" algn="ctr">
+          <a:solidFill>
+            <a:schemeClr val="phClr"/>
+          </a:solidFill>
+          <a:prstDash val="solid"/>
+          <a:miter lim="800000"/>
+        </a:ln>
+        <a:ln w="19050" cap="flat" cmpd="sng" algn="ctr">
+          <a:solidFill>
+            <a:schemeClr val="phClr"/>
+          </a:solidFill>
+          <a:prstDash val="solid"/>
+          <a:miter lim="800000"/>
+        </a:ln>
+        <a:ln w="25400" cap="flat" cmpd="sng" algn="ctr">
+          <a:solidFill>
+            <a:schemeClr val="phClr"/>
+          </a:solidFill>
+          <a:prstDash val="solid"/>
+          <a:miter lim="800000"/>
+        </a:ln>
+      </a:lnStyleLst>
+      <a:effectStyleLst>
+        <a:effectStyle>
+          <a:effectLst/>
+        </a:effectStyle>
+        <a:effectStyle>
+          <a:effectLst/>
+        </a:effectStyle>
+        <a:effectStyle>
+          <a:effectLst>
+            <a:outerShdw blurRad="57150" dist="19050" dir="5400000" algn="ctr" rotWithShape="0">
+              <a:srgbClr val="000000">
+                <a:alpha val="63000"/>
+              </a:srgbClr>
+            </a:outerShdw>
+          </a:effectLst>
+        </a:effectStyle>
+      </a:effectStyleLst>
+      <a:bgFillStyleLst>
+        <a:solidFill>
+          <a:schemeClr val="phClr"/>
+        </a:solidFill>
+        <a:solidFill>
+          <a:schemeClr val="phClr">
+            <a:tint val="95000"/>
+            <a:satMod val="170000"/>
+          </a:schemeClr>
+        </a:solidFill>
+        <a:gradFill rotWithShape="1">
+          <a:gsLst>
+            <a:gs pos="0">
+              <a:schemeClr val="phClr">
+                <a:tint val="93000"/>
+                <a:satMod val="150000"/>
+                <a:shade val="98000"/>
+                <a:lumMod val="102000"/>
+              </a:schemeClr>
+            </a:gs>
+            <a:gs pos="50000">
+              <a:schemeClr val="phClr">
+                <a:tint val="98000"/>
+                <a:satMod val="130000"/>
+                <a:shade val="90000"/>
+                <a:lumMod val="103000"/>
+              </a:schemeClr>
+            </a:gs>
+            <a:gs pos="100000">
+              <a:schemeClr val="phClr">
+                <a:shade val="63000"/>
+                <a:satMod val="120000"/>
+              </a:schemeClr>
+            </a:gs>
+          </a:gsLst>
+          <a:lin ang="5400000" scaled="0"/>
+        </a:gradFill>
+      </a:bgFillStyleLst>
+    </a:fmtScheme>
+  </a:themeElements>
+  <a:objectDefaults>
+    <a:lnDef>
+      <a:spPr/>
+      <a:bodyPr/>
+      <a:lstStyle/>
+      <a:style>
+        <a:lnRef idx="2">
+          <a:schemeClr val="accent1"/>
+        </a:lnRef>
+        <a:fillRef idx="0">
+          <a:schemeClr val="accent1"/>
+        </a:fillRef>
+        <a:effectRef idx="1">
+          <a:schemeClr val="accent1"/>
+        </a:effectRef>
+        <a:fontRef idx="minor">
+          <a:schemeClr val="tx1"/>
+        </a:fontRef>
+      </a:style>
+    </a:lnDef>
+  </a:objectDefaults>
+  <a:extraClrSchemeLst/>
+  <a:extLst>
+    <a:ext uri="{05A4C25C-085E-4340-85A3-A5531E510DB2}">
+      <thm15:themeFamily xmlns:thm15="http://schemas.microsoft.com/office/thememl/2012/main" name="Office Theme" id="{2E142A2C-CD16-42D6-873A-C26D2A0506FA}" vid="{1BDDFF52-6CD6-40A5-AB3C-68EB2F1E4D0A}"/>
+    </a:ext>
+  </a:extLst>
+</a:theme>
 </file>